--- a/WDS/Whiteboard Design Session Trainer Presentation - Microservices architecture.pptx
+++ b/WDS/Whiteboard Design Session Trainer Presentation - Microservices architecture.pptx
@@ -225,7 +225,7 @@
           <a:p>
             <a:fld id="{52A13B17-C506-4D51-BB37-16B365906619}" type="datetimeFigureOut">
               <a:rPr lang="en-US" smtClean="0"/>
-              <a:t>5/3/2018</a:t>
+              <a:t>6/12/2018</a:t>
             </a:fld>
             <a:endParaRPr lang="en-US" dirty="0"/>
           </a:p>
@@ -3739,15 +3739,22 @@
           <a:bodyPr/>
           <a:lstStyle/>
           <a:p>
-            <a:pPr marL="0" indent="0">
-              <a:buFont typeface="Arial" panose="020B0604020202020204" pitchFamily="34" charset="0"/>
-              <a:buNone/>
-            </a:pPr>
             <a:r>
               <a:rPr lang="en-US" b="1" i="1" dirty="0"/>
-              <a:t>While we are interested in the microservices approach, we are still comparing Service Fabric with PaaS features such as App Services and SQL DB. Service Fabric seems relatively new, while App Services and SQL DB have been around for some time.</a:t>
-            </a:r>
-            <a:endParaRPr lang="en-US" b="0" i="0" dirty="0"/>
+              <a:t>While we are interested in the microservices approach, we are still comparing Service Fabric with PaaS features such as App Services and SQL DB. </a:t>
+            </a:r>
+            <a:r>
+              <a:rPr lang="en-US" sz="1200" b="1" i="1" kern="1200" dirty="0">
+                <a:solidFill>
+                  <a:schemeClr val="tx1"/>
+                </a:solidFill>
+                <a:effectLst/>
+                <a:latin typeface="+mn-lt"/>
+                <a:ea typeface="+mn-ea"/>
+                <a:cs typeface="+mn-cs"/>
+              </a:rPr>
+              <a:t>How mature is Service Fabric by comparison?</a:t>
+            </a:r>
           </a:p>
           <a:p>
             <a:pPr marL="171450" indent="-171450">
@@ -4246,7 +4253,7 @@
                   <a:prstClr val="black"/>
                 </a:solidFill>
               </a:rPr>
-              <a:t>5/3/2018 9:22 AM</a:t>
+              <a:t>6/12/2018 7:09 PM</a:t>
             </a:fld>
             <a:endParaRPr lang="en-US" dirty="0">
               <a:solidFill>

--- a/WDS/Whiteboard Design Session Trainer Presentation - Microservices architecture.pptx
+++ b/WDS/Whiteboard Design Session Trainer Presentation - Microservices architecture.pptx
@@ -6,7 +6,7 @@
     <p:sldMasterId id="2147483665" r:id="rId2"/>
   </p:sldMasterIdLst>
   <p:notesMasterIdLst>
-    <p:notesMasterId r:id="rId28"/>
+    <p:notesMasterId r:id="rId32"/>
   </p:notesMasterIdLst>
   <p:sldIdLst>
     <p:sldId id="300" r:id="rId3"/>
@@ -32,8 +32,12 @@
     <p:sldId id="333" r:id="rId23"/>
     <p:sldId id="334" r:id="rId24"/>
     <p:sldId id="364" r:id="rId25"/>
-    <p:sldId id="318" r:id="rId26"/>
-    <p:sldId id="315" r:id="rId27"/>
+    <p:sldId id="365" r:id="rId26"/>
+    <p:sldId id="366" r:id="rId27"/>
+    <p:sldId id="367" r:id="rId28"/>
+    <p:sldId id="368" r:id="rId29"/>
+    <p:sldId id="318" r:id="rId30"/>
+    <p:sldId id="315" r:id="rId31"/>
   </p:sldIdLst>
   <p:sldSz cx="12192000" cy="6858000"/>
   <p:notesSz cx="6858000" cy="9144000"/>
@@ -225,7 +229,7 @@
           <a:p>
             <a:fld id="{52A13B17-C506-4D51-BB37-16B365906619}" type="datetimeFigureOut">
               <a:rPr lang="en-US" smtClean="0"/>
-              <a:t>6/12/2018</a:t>
+              <a:t>6/29/2018</a:t>
             </a:fld>
             <a:endParaRPr lang="en-US" dirty="0"/>
           </a:p>
@@ -4098,7 +4102,282 @@
           <a:bodyPr/>
           <a:lstStyle/>
           <a:p>
-            <a:endParaRPr lang="en-US" dirty="0"/>
+            <a:r>
+              <a:rPr lang="en-US" b="1" i="1" dirty="0"/>
+              <a:t>While we are interested in the microservices approach, we are still comparing Service Fabric with PaaS features such as App Services and SQL DB. </a:t>
+            </a:r>
+            <a:r>
+              <a:rPr lang="en-US" sz="1200" b="1" i="1" kern="1200" dirty="0">
+                <a:solidFill>
+                  <a:schemeClr val="tx1"/>
+                </a:solidFill>
+                <a:effectLst/>
+                <a:latin typeface="+mn-lt"/>
+                <a:ea typeface="+mn-ea"/>
+                <a:cs typeface="+mn-cs"/>
+              </a:rPr>
+              <a:t>How mature is Service Fabric by comparison?</a:t>
+            </a:r>
+          </a:p>
+          <a:p>
+            <a:pPr marL="171450" indent="-171450">
+              <a:buFont typeface="Arial" panose="020B0604020202020204" pitchFamily="34" charset="0"/>
+              <a:buChar char="•"/>
+            </a:pPr>
+            <a:r>
+              <a:rPr lang="en-US" b="0" i="0" dirty="0"/>
+              <a:t>Service Fabric has been battle tested for many years prior to becoming generally available. In fact, Service Fabric is the underlying foundation for Azure’s own SQL DB and Cosmos DB services among other high traffic applications such as the very popular Halo game. </a:t>
+            </a:r>
+          </a:p>
+          <a:p>
+            <a:pPr marL="171450" indent="-171450">
+              <a:buFont typeface="Arial" panose="020B0604020202020204" pitchFamily="34" charset="0"/>
+              <a:buChar char="•"/>
+            </a:pPr>
+            <a:r>
+              <a:rPr lang="en-US" b="0" i="0" dirty="0"/>
+              <a:t> </a:t>
+            </a:r>
+          </a:p>
+          <a:p>
+            <a:pPr marL="171450" indent="-171450">
+              <a:buFont typeface="Arial" panose="020B0604020202020204" pitchFamily="34" charset="0"/>
+              <a:buChar char="•"/>
+            </a:pPr>
+            <a:r>
+              <a:rPr lang="en-US" b="0" i="0" dirty="0"/>
+              <a:t>As for choosing between Service Fabric and App Services or SQL DB the benefits of the former include:</a:t>
+            </a:r>
+          </a:p>
+          <a:p>
+            <a:pPr marL="628650" lvl="1" indent="-171450">
+              <a:buFont typeface="Arial" panose="020B0604020202020204" pitchFamily="34" charset="0"/>
+              <a:buChar char="•"/>
+            </a:pPr>
+            <a:r>
+              <a:rPr lang="en-US" b="0" i="0" dirty="0"/>
+              <a:t>The ability to deploy individual application services without concern over the target infrastructure – let Service Fabric decide the target nodes appropriate for each tier and service type.</a:t>
+            </a:r>
+          </a:p>
+          <a:p>
+            <a:pPr marL="628650" lvl="1" indent="-171450">
+              <a:buFont typeface="Arial" panose="020B0604020202020204" pitchFamily="34" charset="0"/>
+              <a:buChar char="•"/>
+            </a:pPr>
+            <a:r>
+              <a:rPr lang="en-US" b="0" i="0" dirty="0"/>
+              <a:t>Simplified approach to managing data persistence with stateful services.</a:t>
+            </a:r>
+          </a:p>
+          <a:p>
+            <a:pPr marL="628650" lvl="1" indent="-171450">
+              <a:buFont typeface="Arial" panose="020B0604020202020204" pitchFamily="34" charset="0"/>
+              <a:buChar char="•"/>
+            </a:pPr>
+            <a:r>
+              <a:rPr lang="en-US" b="0" i="0" dirty="0"/>
+              <a:t>Microservices design from the ground up on a platform that is specifically designed for that purpose – with the ability to scale.</a:t>
+            </a:r>
+          </a:p>
+          <a:p>
+            <a:pPr marL="628650" lvl="1" indent="-171450">
+              <a:buFont typeface="Arial" panose="020B0604020202020204" pitchFamily="34" charset="0"/>
+              <a:buChar char="•"/>
+            </a:pPr>
+            <a:endParaRPr lang="en-US" b="0" i="0" dirty="0"/>
+          </a:p>
+          <a:p>
+            <a:pPr marL="0" indent="0">
+              <a:buFont typeface="Arial" panose="020B0604020202020204" pitchFamily="34" charset="0"/>
+              <a:buNone/>
+            </a:pPr>
+            <a:r>
+              <a:rPr lang="en-US" b="1" i="1" dirty="0"/>
+              <a:t>Microservices architectures are completely new to the Contoso Events team. If we were to go forward with Service Fabric, we would like to understand what skills the team can carry forward, and how much of a learning curve exists.</a:t>
+            </a:r>
+            <a:endParaRPr lang="en-US" b="0" i="0" dirty="0"/>
+          </a:p>
+          <a:p>
+            <a:pPr marL="171450" indent="-171450">
+              <a:buFont typeface="Arial" panose="020B0604020202020204" pitchFamily="34" charset="0"/>
+              <a:buChar char="•"/>
+            </a:pPr>
+            <a:r>
+              <a:rPr lang="en-US" b="0" i="0" dirty="0"/>
+              <a:t>Service Fabric is a natural transition for .NET developers in many respects:</a:t>
+            </a:r>
+          </a:p>
+          <a:p>
+            <a:pPr marL="628650" lvl="1" indent="-171450">
+              <a:buFont typeface="Arial" panose="020B0604020202020204" pitchFamily="34" charset="0"/>
+              <a:buChar char="•"/>
+            </a:pPr>
+            <a:r>
+              <a:rPr lang="en-US" b="0" i="0" dirty="0"/>
+              <a:t>They can continue to use Visual Studio for development, debugging and publishing applications</a:t>
+            </a:r>
+          </a:p>
+          <a:p>
+            <a:pPr marL="628650" lvl="1" indent="-171450">
+              <a:buFont typeface="Arial" panose="020B0604020202020204" pitchFamily="34" charset="0"/>
+              <a:buChar char="•"/>
+            </a:pPr>
+            <a:r>
+              <a:rPr lang="en-US" b="0" i="0" dirty="0"/>
+              <a:t>They can leverage Service Fabric project templates to kick-start their understanding of Service Fabric services.</a:t>
+            </a:r>
+          </a:p>
+          <a:p>
+            <a:pPr marL="628650" lvl="1" indent="-171450">
+              <a:buFont typeface="Arial" panose="020B0604020202020204" pitchFamily="34" charset="0"/>
+              <a:buChar char="•"/>
+            </a:pPr>
+            <a:r>
+              <a:rPr lang="en-US" b="0" i="0" dirty="0"/>
+              <a:t>The programming model for services is familiar. </a:t>
+            </a:r>
+          </a:p>
+          <a:p>
+            <a:pPr marL="628650" lvl="1" indent="-171450">
+              <a:buFont typeface="Arial" panose="020B0604020202020204" pitchFamily="34" charset="0"/>
+              <a:buChar char="•"/>
+            </a:pPr>
+            <a:r>
+              <a:rPr lang="en-US" b="0" i="0" dirty="0"/>
+              <a:t>Working with stateful services is also familiar in the sense that state is defined via objects (POCO) and serialized as part of the service implementation. </a:t>
+            </a:r>
+          </a:p>
+          <a:p>
+            <a:pPr marL="171450" indent="-171450">
+              <a:buFont typeface="Arial" panose="020B0604020202020204" pitchFamily="34" charset="0"/>
+              <a:buChar char="•"/>
+            </a:pPr>
+            <a:endParaRPr lang="en-US" b="1" i="1" dirty="0"/>
+          </a:p>
+          <a:p>
+            <a:pPr marL="0" indent="0">
+              <a:buFont typeface="Arial" panose="020B0604020202020204" pitchFamily="34" charset="0"/>
+              <a:buNone/>
+            </a:pPr>
+            <a:r>
+              <a:rPr lang="en-US" b="1" i="1" dirty="0"/>
+              <a:t>We’d like to understand if stateful services or stateful actors will help us with ticket ordering throughput, workflow and state management, and easier rollouts of changes to this process.</a:t>
+            </a:r>
+            <a:endParaRPr lang="en-US" b="0" i="0" dirty="0"/>
+          </a:p>
+          <a:p>
+            <a:pPr marL="171450" indent="-171450">
+              <a:buFont typeface="Arial" panose="020B0604020202020204" pitchFamily="34" charset="0"/>
+              <a:buChar char="•"/>
+            </a:pPr>
+            <a:r>
+              <a:rPr lang="en-US" b="0" i="0" dirty="0"/>
+              <a:t>Stateful services are backed by robust and reliable storage. When data (state) is saved by the service, it is not confirmed (committed) unless a quorum is reached. </a:t>
+            </a:r>
+          </a:p>
+          <a:p>
+            <a:pPr marL="171450" indent="-171450">
+              <a:buFont typeface="Arial" panose="020B0604020202020204" pitchFamily="34" charset="0"/>
+              <a:buChar char="•"/>
+            </a:pPr>
+            <a:r>
+              <a:rPr lang="en-US" b="0" i="0" dirty="0"/>
+              <a:t>By using the stateful actor, not only is the persistence of the actual ticket order handled by the Service Fabric at scale, but the actor can be wholly responsible for the workflow required to complete the order</a:t>
+            </a:r>
+          </a:p>
+          <a:p>
+            <a:pPr marL="171450" indent="-171450">
+              <a:buFont typeface="Arial" panose="020B0604020202020204" pitchFamily="34" charset="0"/>
+              <a:buChar char="•"/>
+            </a:pPr>
+            <a:r>
+              <a:rPr lang="en-US" b="0" i="0" dirty="0"/>
+              <a:t>When updates to this actor are required, the existing state is preserved, any active instances can continue completing their work, and the new actor functionality or state requirements can be rolled out safely across the nodes in the cluster, eventually retiring the previous version.</a:t>
+            </a:r>
+          </a:p>
+          <a:p>
+            <a:pPr marL="171450" indent="-171450">
+              <a:buFont typeface="Arial" panose="020B0604020202020204" pitchFamily="34" charset="0"/>
+              <a:buChar char="•"/>
+            </a:pPr>
+            <a:endParaRPr lang="en-US" b="1" i="1" dirty="0"/>
+          </a:p>
+          <a:p>
+            <a:pPr marL="0" indent="0">
+              <a:buFont typeface="Arial" panose="020B0604020202020204" pitchFamily="34" charset="0"/>
+              <a:buNone/>
+            </a:pPr>
+            <a:r>
+              <a:rPr lang="en-US" b="1" i="1" dirty="0"/>
+              <a:t>We are not clear how and where to incorporate stateful services and actors alongside other storage such as Cosmos DB. We need the ability to support robust ad-hoc queries against our system data such as events, customers, orders and related metrics – but would like to take advantage of the performance and reliability of Service Fabric stateful options as well.</a:t>
+            </a:r>
+          </a:p>
+          <a:p>
+            <a:pPr marL="171450" indent="-171450">
+              <a:buFont typeface="Arial" panose="020B0604020202020204" pitchFamily="34" charset="0"/>
+              <a:buChar char="•"/>
+            </a:pPr>
+            <a:r>
+              <a:rPr lang="en-US" b="0" i="0" dirty="0"/>
+              <a:t>Stateful services make it easy to save and retrieve state, and distribute that state for higher availability by using a partitioning strategy. Each partition has its own replica set for reliability.</a:t>
+            </a:r>
+          </a:p>
+          <a:p>
+            <a:pPr marL="171450" indent="-171450">
+              <a:buFont typeface="Arial" panose="020B0604020202020204" pitchFamily="34" charset="0"/>
+              <a:buChar char="•"/>
+            </a:pPr>
+            <a:r>
+              <a:rPr lang="en-US" b="0" i="0" dirty="0"/>
+              <a:t>You can replicate this state to an external store like Cosmos DB to support ad-hoc querying, analytics and disaster recovery.</a:t>
+            </a:r>
+          </a:p>
+          <a:p>
+            <a:pPr marL="171450" indent="-171450">
+              <a:buFont typeface="Arial" panose="020B0604020202020204" pitchFamily="34" charset="0"/>
+              <a:buChar char="•"/>
+            </a:pPr>
+            <a:endParaRPr lang="en-US" b="0" i="0" dirty="0"/>
+          </a:p>
+          <a:p>
+            <a:pPr marL="0" indent="0">
+              <a:buFont typeface="Arial" panose="020B0604020202020204" pitchFamily="34" charset="0"/>
+              <a:buNone/>
+            </a:pPr>
+            <a:r>
+              <a:rPr lang="en-US" b="1" i="1" dirty="0"/>
+              <a:t>Could we consider Azure Functions as an alternative back end implementation for our APIs? </a:t>
+            </a:r>
+          </a:p>
+          <a:p>
+            <a:pPr marL="171450" indent="-171450">
+              <a:buFont typeface="Arial" panose="020B0604020202020204" pitchFamily="34" charset="0"/>
+              <a:buChar char="•"/>
+            </a:pPr>
+            <a:r>
+              <a:rPr lang="en-US" dirty="0"/>
+              <a:t>While it is possible to create functions that run behind API Management endpoints, they are best employed for decoupled, asynchronous background operations that can be run at scale without concern for the specific server running that operation. </a:t>
+            </a:r>
+          </a:p>
+          <a:p>
+            <a:pPr marL="171450" indent="-171450">
+              <a:buFont typeface="Arial" panose="020B0604020202020204" pitchFamily="34" charset="0"/>
+              <a:buChar char="•"/>
+            </a:pPr>
+            <a:r>
+              <a:rPr lang="en-US" dirty="0"/>
+              <a:t>In this solution, Azure Functions allowed for decoupling the external storage location of orders, without the need to update Service Fabric configurations on change. It also allowed for a separate scale-out tier for that work.</a:t>
+            </a:r>
+          </a:p>
+          <a:p>
+            <a:pPr marL="171450" indent="-171450">
+              <a:buFont typeface="Arial" panose="020B0604020202020204" pitchFamily="34" charset="0"/>
+              <a:buChar char="•"/>
+            </a:pPr>
+            <a:r>
+              <a:rPr lang="en-US" dirty="0"/>
+              <a:t>In a solution such as a mobile application back end, functions could be useful if they don’t need to comingle with other solution aspects – such as acting as their own microservice with a targeted purpose. </a:t>
+            </a:r>
           </a:p>
         </p:txBody>
       </p:sp>
@@ -4128,6 +4407,1167 @@
     </p:spTree>
     <p:extLst>
       <p:ext uri="{BB962C8B-B14F-4D97-AF65-F5344CB8AC3E}">
+        <p14:creationId xmlns:p14="http://schemas.microsoft.com/office/powerpoint/2010/main" val="2435384859"/>
+      </p:ext>
+    </p:extLst>
+  </p:cSld>
+  <p:clrMapOvr>
+    <a:masterClrMapping/>
+  </p:clrMapOvr>
+</p:notes>
+</file>
+
+<file path=ppt/notesSlides/notesSlide25.xml><?xml version="1.0" encoding="utf-8"?>
+<p:notes xmlns:a="http://schemas.openxmlformats.org/drawingml/2006/main" xmlns:r="http://schemas.openxmlformats.org/officeDocument/2006/relationships" xmlns:p="http://schemas.openxmlformats.org/presentationml/2006/main">
+  <p:cSld>
+    <p:spTree>
+      <p:nvGrpSpPr>
+        <p:cNvPr id="1" name=""/>
+        <p:cNvGrpSpPr/>
+        <p:nvPr/>
+      </p:nvGrpSpPr>
+      <p:grpSpPr>
+        <a:xfrm>
+          <a:off x="0" y="0"/>
+          <a:ext cx="0" cy="0"/>
+          <a:chOff x="0" y="0"/>
+          <a:chExt cx="0" cy="0"/>
+        </a:xfrm>
+      </p:grpSpPr>
+      <p:sp>
+        <p:nvSpPr>
+          <p:cNvPr id="2" name="Slide Image Placeholder 1"/>
+          <p:cNvSpPr>
+            <a:spLocks noGrp="1" noRot="1" noChangeAspect="1"/>
+          </p:cNvSpPr>
+          <p:nvPr>
+            <p:ph type="sldImg"/>
+          </p:nvPr>
+        </p:nvSpPr>
+        <p:spPr/>
+      </p:sp>
+      <p:sp>
+        <p:nvSpPr>
+          <p:cNvPr id="3" name="Notes Placeholder 2"/>
+          <p:cNvSpPr>
+            <a:spLocks noGrp="1"/>
+          </p:cNvSpPr>
+          <p:nvPr>
+            <p:ph type="body" idx="1"/>
+          </p:nvPr>
+        </p:nvSpPr>
+        <p:spPr/>
+        <p:txBody>
+          <a:bodyPr/>
+          <a:lstStyle/>
+          <a:p>
+            <a:r>
+              <a:rPr lang="en-US" b="1" i="1" dirty="0"/>
+              <a:t>While we are interested in the microservices approach, we are still comparing Service Fabric with PaaS features such as App Services and SQL DB. </a:t>
+            </a:r>
+            <a:r>
+              <a:rPr lang="en-US" sz="1200" b="1" i="1" kern="1200" dirty="0">
+                <a:solidFill>
+                  <a:schemeClr val="tx1"/>
+                </a:solidFill>
+                <a:effectLst/>
+                <a:latin typeface="+mn-lt"/>
+                <a:ea typeface="+mn-ea"/>
+                <a:cs typeface="+mn-cs"/>
+              </a:rPr>
+              <a:t>How mature is Service Fabric by comparison?</a:t>
+            </a:r>
+          </a:p>
+          <a:p>
+            <a:pPr marL="171450" indent="-171450">
+              <a:buFont typeface="Arial" panose="020B0604020202020204" pitchFamily="34" charset="0"/>
+              <a:buChar char="•"/>
+            </a:pPr>
+            <a:r>
+              <a:rPr lang="en-US" b="0" i="0" dirty="0"/>
+              <a:t>Service Fabric has been battle tested for many years prior to becoming generally available. In fact, Service Fabric is the underlying foundation for Azure’s own SQL DB and Cosmos DB services among other high traffic applications such as the very popular Halo game. </a:t>
+            </a:r>
+          </a:p>
+          <a:p>
+            <a:pPr marL="171450" indent="-171450">
+              <a:buFont typeface="Arial" panose="020B0604020202020204" pitchFamily="34" charset="0"/>
+              <a:buChar char="•"/>
+            </a:pPr>
+            <a:r>
+              <a:rPr lang="en-US" b="0" i="0" dirty="0"/>
+              <a:t> </a:t>
+            </a:r>
+          </a:p>
+          <a:p>
+            <a:pPr marL="171450" indent="-171450">
+              <a:buFont typeface="Arial" panose="020B0604020202020204" pitchFamily="34" charset="0"/>
+              <a:buChar char="•"/>
+            </a:pPr>
+            <a:r>
+              <a:rPr lang="en-US" b="0" i="0" dirty="0"/>
+              <a:t>As for choosing between Service Fabric and App Services or SQL DB the benefits of the former include:</a:t>
+            </a:r>
+          </a:p>
+          <a:p>
+            <a:pPr marL="628650" lvl="1" indent="-171450">
+              <a:buFont typeface="Arial" panose="020B0604020202020204" pitchFamily="34" charset="0"/>
+              <a:buChar char="•"/>
+            </a:pPr>
+            <a:r>
+              <a:rPr lang="en-US" b="0" i="0" dirty="0"/>
+              <a:t>The ability to deploy individual application services without concern over the target infrastructure – let Service Fabric decide the target nodes appropriate for each tier and service type.</a:t>
+            </a:r>
+          </a:p>
+          <a:p>
+            <a:pPr marL="628650" lvl="1" indent="-171450">
+              <a:buFont typeface="Arial" panose="020B0604020202020204" pitchFamily="34" charset="0"/>
+              <a:buChar char="•"/>
+            </a:pPr>
+            <a:r>
+              <a:rPr lang="en-US" b="0" i="0" dirty="0"/>
+              <a:t>Simplified approach to managing data persistence with stateful services.</a:t>
+            </a:r>
+          </a:p>
+          <a:p>
+            <a:pPr marL="628650" lvl="1" indent="-171450">
+              <a:buFont typeface="Arial" panose="020B0604020202020204" pitchFamily="34" charset="0"/>
+              <a:buChar char="•"/>
+            </a:pPr>
+            <a:r>
+              <a:rPr lang="en-US" b="0" i="0" dirty="0"/>
+              <a:t>Microservices design from the ground up on a platform that is specifically designed for that purpose – with the ability to scale.</a:t>
+            </a:r>
+          </a:p>
+          <a:p>
+            <a:pPr marL="628650" lvl="1" indent="-171450">
+              <a:buFont typeface="Arial" panose="020B0604020202020204" pitchFamily="34" charset="0"/>
+              <a:buChar char="•"/>
+            </a:pPr>
+            <a:endParaRPr lang="en-US" b="0" i="0" dirty="0"/>
+          </a:p>
+          <a:p>
+            <a:pPr marL="0" indent="0">
+              <a:buFont typeface="Arial" panose="020B0604020202020204" pitchFamily="34" charset="0"/>
+              <a:buNone/>
+            </a:pPr>
+            <a:r>
+              <a:rPr lang="en-US" b="1" i="1" dirty="0"/>
+              <a:t>Microservices architectures are completely new to the Contoso Events team. If we were to go forward with Service Fabric, we would like to understand what skills the team can carry forward, and how much of a learning curve exists.</a:t>
+            </a:r>
+            <a:endParaRPr lang="en-US" b="0" i="0" dirty="0"/>
+          </a:p>
+          <a:p>
+            <a:pPr marL="171450" indent="-171450">
+              <a:buFont typeface="Arial" panose="020B0604020202020204" pitchFamily="34" charset="0"/>
+              <a:buChar char="•"/>
+            </a:pPr>
+            <a:r>
+              <a:rPr lang="en-US" b="0" i="0" dirty="0"/>
+              <a:t>Service Fabric is a natural transition for .NET developers in many respects:</a:t>
+            </a:r>
+          </a:p>
+          <a:p>
+            <a:pPr marL="628650" lvl="1" indent="-171450">
+              <a:buFont typeface="Arial" panose="020B0604020202020204" pitchFamily="34" charset="0"/>
+              <a:buChar char="•"/>
+            </a:pPr>
+            <a:r>
+              <a:rPr lang="en-US" b="0" i="0" dirty="0"/>
+              <a:t>They can continue to use Visual Studio for development, debugging and publishing applications</a:t>
+            </a:r>
+          </a:p>
+          <a:p>
+            <a:pPr marL="628650" lvl="1" indent="-171450">
+              <a:buFont typeface="Arial" panose="020B0604020202020204" pitchFamily="34" charset="0"/>
+              <a:buChar char="•"/>
+            </a:pPr>
+            <a:r>
+              <a:rPr lang="en-US" b="0" i="0" dirty="0"/>
+              <a:t>They can leverage Service Fabric project templates to kick-start their understanding of Service Fabric services.</a:t>
+            </a:r>
+          </a:p>
+          <a:p>
+            <a:pPr marL="628650" lvl="1" indent="-171450">
+              <a:buFont typeface="Arial" panose="020B0604020202020204" pitchFamily="34" charset="0"/>
+              <a:buChar char="•"/>
+            </a:pPr>
+            <a:r>
+              <a:rPr lang="en-US" b="0" i="0" dirty="0"/>
+              <a:t>The programming model for services is familiar. </a:t>
+            </a:r>
+          </a:p>
+          <a:p>
+            <a:pPr marL="628650" lvl="1" indent="-171450">
+              <a:buFont typeface="Arial" panose="020B0604020202020204" pitchFamily="34" charset="0"/>
+              <a:buChar char="•"/>
+            </a:pPr>
+            <a:r>
+              <a:rPr lang="en-US" b="0" i="0" dirty="0"/>
+              <a:t>Working with stateful services is also familiar in the sense that state is defined via objects (POCO) and serialized as part of the service implementation. </a:t>
+            </a:r>
+          </a:p>
+          <a:p>
+            <a:pPr marL="171450" indent="-171450">
+              <a:buFont typeface="Arial" panose="020B0604020202020204" pitchFamily="34" charset="0"/>
+              <a:buChar char="•"/>
+            </a:pPr>
+            <a:endParaRPr lang="en-US" b="1" i="1" dirty="0"/>
+          </a:p>
+          <a:p>
+            <a:pPr marL="0" indent="0">
+              <a:buFont typeface="Arial" panose="020B0604020202020204" pitchFamily="34" charset="0"/>
+              <a:buNone/>
+            </a:pPr>
+            <a:r>
+              <a:rPr lang="en-US" b="1" i="1" dirty="0"/>
+              <a:t>We’d like to understand if stateful services or stateful actors will help us with ticket ordering throughput, workflow and state management, and easier rollouts of changes to this process.</a:t>
+            </a:r>
+            <a:endParaRPr lang="en-US" b="0" i="0" dirty="0"/>
+          </a:p>
+          <a:p>
+            <a:pPr marL="171450" indent="-171450">
+              <a:buFont typeface="Arial" panose="020B0604020202020204" pitchFamily="34" charset="0"/>
+              <a:buChar char="•"/>
+            </a:pPr>
+            <a:r>
+              <a:rPr lang="en-US" b="0" i="0" dirty="0"/>
+              <a:t>Stateful services are backed by robust and reliable storage. When data (state) is saved by the service, it is not confirmed (committed) unless a quorum is reached. </a:t>
+            </a:r>
+          </a:p>
+          <a:p>
+            <a:pPr marL="171450" indent="-171450">
+              <a:buFont typeface="Arial" panose="020B0604020202020204" pitchFamily="34" charset="0"/>
+              <a:buChar char="•"/>
+            </a:pPr>
+            <a:r>
+              <a:rPr lang="en-US" b="0" i="0" dirty="0"/>
+              <a:t>By using the stateful actor, not only is the persistence of the actual ticket order handled by the Service Fabric at scale, but the actor can be wholly responsible for the workflow required to complete the order</a:t>
+            </a:r>
+          </a:p>
+          <a:p>
+            <a:pPr marL="171450" indent="-171450">
+              <a:buFont typeface="Arial" panose="020B0604020202020204" pitchFamily="34" charset="0"/>
+              <a:buChar char="•"/>
+            </a:pPr>
+            <a:r>
+              <a:rPr lang="en-US" b="0" i="0" dirty="0"/>
+              <a:t>When updates to this actor are required, the existing state is preserved, any active instances can continue completing their work, and the new actor functionality or state requirements can be rolled out safely across the nodes in the cluster, eventually retiring the previous version.</a:t>
+            </a:r>
+          </a:p>
+          <a:p>
+            <a:pPr marL="171450" indent="-171450">
+              <a:buFont typeface="Arial" panose="020B0604020202020204" pitchFamily="34" charset="0"/>
+              <a:buChar char="•"/>
+            </a:pPr>
+            <a:endParaRPr lang="en-US" b="1" i="1" dirty="0"/>
+          </a:p>
+          <a:p>
+            <a:pPr marL="0" indent="0">
+              <a:buFont typeface="Arial" panose="020B0604020202020204" pitchFamily="34" charset="0"/>
+              <a:buNone/>
+            </a:pPr>
+            <a:r>
+              <a:rPr lang="en-US" b="1" i="1" dirty="0"/>
+              <a:t>We are not clear how and where to incorporate stateful services and actors alongside other storage such as Cosmos DB. We need the ability to support robust ad-hoc queries against our system data such as events, customers, orders and related metrics – but would like to take advantage of the performance and reliability of Service Fabric stateful options as well.</a:t>
+            </a:r>
+          </a:p>
+          <a:p>
+            <a:pPr marL="171450" indent="-171450">
+              <a:buFont typeface="Arial" panose="020B0604020202020204" pitchFamily="34" charset="0"/>
+              <a:buChar char="•"/>
+            </a:pPr>
+            <a:r>
+              <a:rPr lang="en-US" b="0" i="0" dirty="0"/>
+              <a:t>Stateful services make it easy to save and retrieve state, and distribute that state for higher availability by using a partitioning strategy. Each partition has its own replica set for reliability.</a:t>
+            </a:r>
+          </a:p>
+          <a:p>
+            <a:pPr marL="171450" indent="-171450">
+              <a:buFont typeface="Arial" panose="020B0604020202020204" pitchFamily="34" charset="0"/>
+              <a:buChar char="•"/>
+            </a:pPr>
+            <a:r>
+              <a:rPr lang="en-US" b="0" i="0" dirty="0"/>
+              <a:t>You can replicate this state to an external store like Cosmos DB to support ad-hoc querying, analytics and disaster recovery.</a:t>
+            </a:r>
+          </a:p>
+          <a:p>
+            <a:pPr marL="171450" indent="-171450">
+              <a:buFont typeface="Arial" panose="020B0604020202020204" pitchFamily="34" charset="0"/>
+              <a:buChar char="•"/>
+            </a:pPr>
+            <a:endParaRPr lang="en-US" b="0" i="0" dirty="0"/>
+          </a:p>
+          <a:p>
+            <a:pPr marL="0" indent="0">
+              <a:buFont typeface="Arial" panose="020B0604020202020204" pitchFamily="34" charset="0"/>
+              <a:buNone/>
+            </a:pPr>
+            <a:r>
+              <a:rPr lang="en-US" b="1" i="1" dirty="0"/>
+              <a:t>Could we consider Azure Functions as an alternative back end implementation for our APIs? </a:t>
+            </a:r>
+          </a:p>
+          <a:p>
+            <a:pPr marL="171450" indent="-171450">
+              <a:buFont typeface="Arial" panose="020B0604020202020204" pitchFamily="34" charset="0"/>
+              <a:buChar char="•"/>
+            </a:pPr>
+            <a:r>
+              <a:rPr lang="en-US" dirty="0"/>
+              <a:t>While it is possible to create functions that run behind API Management endpoints, they are best employed for decoupled, asynchronous background operations that can be run at scale without concern for the specific server running that operation. </a:t>
+            </a:r>
+          </a:p>
+          <a:p>
+            <a:pPr marL="171450" indent="-171450">
+              <a:buFont typeface="Arial" panose="020B0604020202020204" pitchFamily="34" charset="0"/>
+              <a:buChar char="•"/>
+            </a:pPr>
+            <a:r>
+              <a:rPr lang="en-US" dirty="0"/>
+              <a:t>In this solution, Azure Functions allowed for decoupling the external storage location of orders, without the need to update Service Fabric configurations on change. It also allowed for a separate scale-out tier for that work.</a:t>
+            </a:r>
+          </a:p>
+          <a:p>
+            <a:pPr marL="171450" indent="-171450">
+              <a:buFont typeface="Arial" panose="020B0604020202020204" pitchFamily="34" charset="0"/>
+              <a:buChar char="•"/>
+            </a:pPr>
+            <a:r>
+              <a:rPr lang="en-US" dirty="0"/>
+              <a:t>In a solution such as a mobile application back end, functions could be useful if they don’t need to comingle with other solution aspects – such as acting as their own microservice with a targeted purpose. </a:t>
+            </a:r>
+          </a:p>
+        </p:txBody>
+      </p:sp>
+      <p:sp>
+        <p:nvSpPr>
+          <p:cNvPr id="4" name="Slide Number Placeholder 3"/>
+          <p:cNvSpPr>
+            <a:spLocks noGrp="1"/>
+          </p:cNvSpPr>
+          <p:nvPr>
+            <p:ph type="sldNum" sz="quarter" idx="10"/>
+          </p:nvPr>
+        </p:nvSpPr>
+        <p:spPr/>
+        <p:txBody>
+          <a:bodyPr/>
+          <a:lstStyle/>
+          <a:p>
+            <a:fld id="{0998D5BB-B127-481F-BC0A-2F77C576BB34}" type="slidenum">
+              <a:rPr lang="en-US" smtClean="0"/>
+              <a:t>25</a:t>
+            </a:fld>
+            <a:endParaRPr lang="en-US" dirty="0"/>
+          </a:p>
+        </p:txBody>
+      </p:sp>
+    </p:spTree>
+    <p:extLst>
+      <p:ext uri="{BB962C8B-B14F-4D97-AF65-F5344CB8AC3E}">
+        <p14:creationId xmlns:p14="http://schemas.microsoft.com/office/powerpoint/2010/main" val="373839995"/>
+      </p:ext>
+    </p:extLst>
+  </p:cSld>
+  <p:clrMapOvr>
+    <a:masterClrMapping/>
+  </p:clrMapOvr>
+</p:notes>
+</file>
+
+<file path=ppt/notesSlides/notesSlide26.xml><?xml version="1.0" encoding="utf-8"?>
+<p:notes xmlns:a="http://schemas.openxmlformats.org/drawingml/2006/main" xmlns:r="http://schemas.openxmlformats.org/officeDocument/2006/relationships" xmlns:p="http://schemas.openxmlformats.org/presentationml/2006/main">
+  <p:cSld>
+    <p:spTree>
+      <p:nvGrpSpPr>
+        <p:cNvPr id="1" name=""/>
+        <p:cNvGrpSpPr/>
+        <p:nvPr/>
+      </p:nvGrpSpPr>
+      <p:grpSpPr>
+        <a:xfrm>
+          <a:off x="0" y="0"/>
+          <a:ext cx="0" cy="0"/>
+          <a:chOff x="0" y="0"/>
+          <a:chExt cx="0" cy="0"/>
+        </a:xfrm>
+      </p:grpSpPr>
+      <p:sp>
+        <p:nvSpPr>
+          <p:cNvPr id="2" name="Slide Image Placeholder 1"/>
+          <p:cNvSpPr>
+            <a:spLocks noGrp="1" noRot="1" noChangeAspect="1"/>
+          </p:cNvSpPr>
+          <p:nvPr>
+            <p:ph type="sldImg"/>
+          </p:nvPr>
+        </p:nvSpPr>
+        <p:spPr/>
+      </p:sp>
+      <p:sp>
+        <p:nvSpPr>
+          <p:cNvPr id="3" name="Notes Placeholder 2"/>
+          <p:cNvSpPr>
+            <a:spLocks noGrp="1"/>
+          </p:cNvSpPr>
+          <p:nvPr>
+            <p:ph type="body" idx="1"/>
+          </p:nvPr>
+        </p:nvSpPr>
+        <p:spPr/>
+        <p:txBody>
+          <a:bodyPr/>
+          <a:lstStyle/>
+          <a:p>
+            <a:r>
+              <a:rPr lang="en-US" b="1" i="1" dirty="0"/>
+              <a:t>While we are interested in the microservices approach, we are still comparing Service Fabric with PaaS features such as App Services and SQL DB. </a:t>
+            </a:r>
+            <a:r>
+              <a:rPr lang="en-US" sz="1200" b="1" i="1" kern="1200" dirty="0">
+                <a:solidFill>
+                  <a:schemeClr val="tx1"/>
+                </a:solidFill>
+                <a:effectLst/>
+                <a:latin typeface="+mn-lt"/>
+                <a:ea typeface="+mn-ea"/>
+                <a:cs typeface="+mn-cs"/>
+              </a:rPr>
+              <a:t>How mature is Service Fabric by comparison?</a:t>
+            </a:r>
+          </a:p>
+          <a:p>
+            <a:pPr marL="171450" indent="-171450">
+              <a:buFont typeface="Arial" panose="020B0604020202020204" pitchFamily="34" charset="0"/>
+              <a:buChar char="•"/>
+            </a:pPr>
+            <a:r>
+              <a:rPr lang="en-US" b="0" i="0" dirty="0"/>
+              <a:t>Service Fabric has been battle tested for many years prior to becoming generally available. In fact, Service Fabric is the underlying foundation for Azure’s own SQL DB and Cosmos DB services among other high traffic applications such as the very popular Halo game. </a:t>
+            </a:r>
+          </a:p>
+          <a:p>
+            <a:pPr marL="171450" indent="-171450">
+              <a:buFont typeface="Arial" panose="020B0604020202020204" pitchFamily="34" charset="0"/>
+              <a:buChar char="•"/>
+            </a:pPr>
+            <a:r>
+              <a:rPr lang="en-US" b="0" i="0" dirty="0"/>
+              <a:t> </a:t>
+            </a:r>
+          </a:p>
+          <a:p>
+            <a:pPr marL="171450" indent="-171450">
+              <a:buFont typeface="Arial" panose="020B0604020202020204" pitchFamily="34" charset="0"/>
+              <a:buChar char="•"/>
+            </a:pPr>
+            <a:r>
+              <a:rPr lang="en-US" b="0" i="0" dirty="0"/>
+              <a:t>As for choosing between Service Fabric and App Services or SQL DB the benefits of the former include:</a:t>
+            </a:r>
+          </a:p>
+          <a:p>
+            <a:pPr marL="628650" lvl="1" indent="-171450">
+              <a:buFont typeface="Arial" panose="020B0604020202020204" pitchFamily="34" charset="0"/>
+              <a:buChar char="•"/>
+            </a:pPr>
+            <a:r>
+              <a:rPr lang="en-US" b="0" i="0" dirty="0"/>
+              <a:t>The ability to deploy individual application services without concern over the target infrastructure – let Service Fabric decide the target nodes appropriate for each tier and service type.</a:t>
+            </a:r>
+          </a:p>
+          <a:p>
+            <a:pPr marL="628650" lvl="1" indent="-171450">
+              <a:buFont typeface="Arial" panose="020B0604020202020204" pitchFamily="34" charset="0"/>
+              <a:buChar char="•"/>
+            </a:pPr>
+            <a:r>
+              <a:rPr lang="en-US" b="0" i="0" dirty="0"/>
+              <a:t>Simplified approach to managing data persistence with stateful services.</a:t>
+            </a:r>
+          </a:p>
+          <a:p>
+            <a:pPr marL="628650" lvl="1" indent="-171450">
+              <a:buFont typeface="Arial" panose="020B0604020202020204" pitchFamily="34" charset="0"/>
+              <a:buChar char="•"/>
+            </a:pPr>
+            <a:r>
+              <a:rPr lang="en-US" b="0" i="0" dirty="0"/>
+              <a:t>Microservices design from the ground up on a platform that is specifically designed for that purpose – with the ability to scale.</a:t>
+            </a:r>
+          </a:p>
+          <a:p>
+            <a:pPr marL="628650" lvl="1" indent="-171450">
+              <a:buFont typeface="Arial" panose="020B0604020202020204" pitchFamily="34" charset="0"/>
+              <a:buChar char="•"/>
+            </a:pPr>
+            <a:endParaRPr lang="en-US" b="0" i="0" dirty="0"/>
+          </a:p>
+          <a:p>
+            <a:pPr marL="0" indent="0">
+              <a:buFont typeface="Arial" panose="020B0604020202020204" pitchFamily="34" charset="0"/>
+              <a:buNone/>
+            </a:pPr>
+            <a:r>
+              <a:rPr lang="en-US" b="1" i="1" dirty="0"/>
+              <a:t>Microservices architectures are completely new to the Contoso Events team. If we were to go forward with Service Fabric, we would like to understand what skills the team can carry forward, and how much of a learning curve exists.</a:t>
+            </a:r>
+            <a:endParaRPr lang="en-US" b="0" i="0" dirty="0"/>
+          </a:p>
+          <a:p>
+            <a:pPr marL="171450" indent="-171450">
+              <a:buFont typeface="Arial" panose="020B0604020202020204" pitchFamily="34" charset="0"/>
+              <a:buChar char="•"/>
+            </a:pPr>
+            <a:r>
+              <a:rPr lang="en-US" b="0" i="0" dirty="0"/>
+              <a:t>Service Fabric is a natural transition for .NET developers in many respects:</a:t>
+            </a:r>
+          </a:p>
+          <a:p>
+            <a:pPr marL="628650" lvl="1" indent="-171450">
+              <a:buFont typeface="Arial" panose="020B0604020202020204" pitchFamily="34" charset="0"/>
+              <a:buChar char="•"/>
+            </a:pPr>
+            <a:r>
+              <a:rPr lang="en-US" b="0" i="0" dirty="0"/>
+              <a:t>They can continue to use Visual Studio for development, debugging and publishing applications</a:t>
+            </a:r>
+          </a:p>
+          <a:p>
+            <a:pPr marL="628650" lvl="1" indent="-171450">
+              <a:buFont typeface="Arial" panose="020B0604020202020204" pitchFamily="34" charset="0"/>
+              <a:buChar char="•"/>
+            </a:pPr>
+            <a:r>
+              <a:rPr lang="en-US" b="0" i="0" dirty="0"/>
+              <a:t>They can leverage Service Fabric project templates to kick-start their understanding of Service Fabric services.</a:t>
+            </a:r>
+          </a:p>
+          <a:p>
+            <a:pPr marL="628650" lvl="1" indent="-171450">
+              <a:buFont typeface="Arial" panose="020B0604020202020204" pitchFamily="34" charset="0"/>
+              <a:buChar char="•"/>
+            </a:pPr>
+            <a:r>
+              <a:rPr lang="en-US" b="0" i="0" dirty="0"/>
+              <a:t>The programming model for services is familiar. </a:t>
+            </a:r>
+          </a:p>
+          <a:p>
+            <a:pPr marL="628650" lvl="1" indent="-171450">
+              <a:buFont typeface="Arial" panose="020B0604020202020204" pitchFamily="34" charset="0"/>
+              <a:buChar char="•"/>
+            </a:pPr>
+            <a:r>
+              <a:rPr lang="en-US" b="0" i="0" dirty="0"/>
+              <a:t>Working with stateful services is also familiar in the sense that state is defined via objects (POCO) and serialized as part of the service implementation. </a:t>
+            </a:r>
+          </a:p>
+          <a:p>
+            <a:pPr marL="171450" indent="-171450">
+              <a:buFont typeface="Arial" panose="020B0604020202020204" pitchFamily="34" charset="0"/>
+              <a:buChar char="•"/>
+            </a:pPr>
+            <a:endParaRPr lang="en-US" b="1" i="1" dirty="0"/>
+          </a:p>
+          <a:p>
+            <a:pPr marL="0" indent="0">
+              <a:buFont typeface="Arial" panose="020B0604020202020204" pitchFamily="34" charset="0"/>
+              <a:buNone/>
+            </a:pPr>
+            <a:r>
+              <a:rPr lang="en-US" b="1" i="1" dirty="0"/>
+              <a:t>We’d like to understand if stateful services or stateful actors will help us with ticket ordering throughput, workflow and state management, and easier rollouts of changes to this process.</a:t>
+            </a:r>
+            <a:endParaRPr lang="en-US" b="0" i="0" dirty="0"/>
+          </a:p>
+          <a:p>
+            <a:pPr marL="171450" indent="-171450">
+              <a:buFont typeface="Arial" panose="020B0604020202020204" pitchFamily="34" charset="0"/>
+              <a:buChar char="•"/>
+            </a:pPr>
+            <a:r>
+              <a:rPr lang="en-US" b="0" i="0" dirty="0"/>
+              <a:t>Stateful services are backed by robust and reliable storage. When data (state) is saved by the service, it is not confirmed (committed) unless a quorum is reached. </a:t>
+            </a:r>
+          </a:p>
+          <a:p>
+            <a:pPr marL="171450" indent="-171450">
+              <a:buFont typeface="Arial" panose="020B0604020202020204" pitchFamily="34" charset="0"/>
+              <a:buChar char="•"/>
+            </a:pPr>
+            <a:r>
+              <a:rPr lang="en-US" b="0" i="0" dirty="0"/>
+              <a:t>By using the stateful actor, not only is the persistence of the actual ticket order handled by the Service Fabric at scale, but the actor can be wholly responsible for the workflow required to complete the order</a:t>
+            </a:r>
+          </a:p>
+          <a:p>
+            <a:pPr marL="171450" indent="-171450">
+              <a:buFont typeface="Arial" panose="020B0604020202020204" pitchFamily="34" charset="0"/>
+              <a:buChar char="•"/>
+            </a:pPr>
+            <a:r>
+              <a:rPr lang="en-US" b="0" i="0" dirty="0"/>
+              <a:t>When updates to this actor are required, the existing state is preserved, any active instances can continue completing their work, and the new actor functionality or state requirements can be rolled out safely across the nodes in the cluster, eventually retiring the previous version.</a:t>
+            </a:r>
+          </a:p>
+          <a:p>
+            <a:pPr marL="171450" indent="-171450">
+              <a:buFont typeface="Arial" panose="020B0604020202020204" pitchFamily="34" charset="0"/>
+              <a:buChar char="•"/>
+            </a:pPr>
+            <a:endParaRPr lang="en-US" b="1" i="1" dirty="0"/>
+          </a:p>
+          <a:p>
+            <a:pPr marL="0" indent="0">
+              <a:buFont typeface="Arial" panose="020B0604020202020204" pitchFamily="34" charset="0"/>
+              <a:buNone/>
+            </a:pPr>
+            <a:r>
+              <a:rPr lang="en-US" b="1" i="1" dirty="0"/>
+              <a:t>We are not clear how and where to incorporate stateful services and actors alongside other storage such as Cosmos DB. We need the ability to support robust ad-hoc queries against our system data such as events, customers, orders and related metrics – but would like to take advantage of the performance and reliability of Service Fabric stateful options as well.</a:t>
+            </a:r>
+          </a:p>
+          <a:p>
+            <a:pPr marL="171450" indent="-171450">
+              <a:buFont typeface="Arial" panose="020B0604020202020204" pitchFamily="34" charset="0"/>
+              <a:buChar char="•"/>
+            </a:pPr>
+            <a:r>
+              <a:rPr lang="en-US" b="0" i="0" dirty="0"/>
+              <a:t>Stateful services make it easy to save and retrieve state, and distribute that state for higher availability by using a partitioning strategy. Each partition has its own replica set for reliability.</a:t>
+            </a:r>
+          </a:p>
+          <a:p>
+            <a:pPr marL="171450" indent="-171450">
+              <a:buFont typeface="Arial" panose="020B0604020202020204" pitchFamily="34" charset="0"/>
+              <a:buChar char="•"/>
+            </a:pPr>
+            <a:r>
+              <a:rPr lang="en-US" b="0" i="0" dirty="0"/>
+              <a:t>You can replicate this state to an external store like Cosmos DB to support ad-hoc querying, analytics and disaster recovery.</a:t>
+            </a:r>
+          </a:p>
+          <a:p>
+            <a:pPr marL="171450" indent="-171450">
+              <a:buFont typeface="Arial" panose="020B0604020202020204" pitchFamily="34" charset="0"/>
+              <a:buChar char="•"/>
+            </a:pPr>
+            <a:endParaRPr lang="en-US" b="0" i="0" dirty="0"/>
+          </a:p>
+          <a:p>
+            <a:pPr marL="0" indent="0">
+              <a:buFont typeface="Arial" panose="020B0604020202020204" pitchFamily="34" charset="0"/>
+              <a:buNone/>
+            </a:pPr>
+            <a:r>
+              <a:rPr lang="en-US" b="1" i="1" dirty="0"/>
+              <a:t>Could we consider Azure Functions as an alternative back end implementation for our APIs? </a:t>
+            </a:r>
+          </a:p>
+          <a:p>
+            <a:pPr marL="171450" indent="-171450">
+              <a:buFont typeface="Arial" panose="020B0604020202020204" pitchFamily="34" charset="0"/>
+              <a:buChar char="•"/>
+            </a:pPr>
+            <a:r>
+              <a:rPr lang="en-US" dirty="0"/>
+              <a:t>While it is possible to create functions that run behind API Management endpoints, they are best employed for decoupled, asynchronous background operations that can be run at scale without concern for the specific server running that operation. </a:t>
+            </a:r>
+          </a:p>
+          <a:p>
+            <a:pPr marL="171450" indent="-171450">
+              <a:buFont typeface="Arial" panose="020B0604020202020204" pitchFamily="34" charset="0"/>
+              <a:buChar char="•"/>
+            </a:pPr>
+            <a:r>
+              <a:rPr lang="en-US" dirty="0"/>
+              <a:t>In this solution, Azure Functions allowed for decoupling the external storage location of orders, without the need to update Service Fabric configurations on change. It also allowed for a separate scale-out tier for that work.</a:t>
+            </a:r>
+          </a:p>
+          <a:p>
+            <a:pPr marL="171450" indent="-171450">
+              <a:buFont typeface="Arial" panose="020B0604020202020204" pitchFamily="34" charset="0"/>
+              <a:buChar char="•"/>
+            </a:pPr>
+            <a:r>
+              <a:rPr lang="en-US" dirty="0"/>
+              <a:t>In a solution such as a mobile application back end, functions could be useful if they don’t need to comingle with other solution aspects – such as acting as their own microservice with a targeted purpose. </a:t>
+            </a:r>
+          </a:p>
+        </p:txBody>
+      </p:sp>
+      <p:sp>
+        <p:nvSpPr>
+          <p:cNvPr id="4" name="Slide Number Placeholder 3"/>
+          <p:cNvSpPr>
+            <a:spLocks noGrp="1"/>
+          </p:cNvSpPr>
+          <p:nvPr>
+            <p:ph type="sldNum" sz="quarter" idx="10"/>
+          </p:nvPr>
+        </p:nvSpPr>
+        <p:spPr/>
+        <p:txBody>
+          <a:bodyPr/>
+          <a:lstStyle/>
+          <a:p>
+            <a:fld id="{0998D5BB-B127-481F-BC0A-2F77C576BB34}" type="slidenum">
+              <a:rPr lang="en-US" smtClean="0"/>
+              <a:t>26</a:t>
+            </a:fld>
+            <a:endParaRPr lang="en-US" dirty="0"/>
+          </a:p>
+        </p:txBody>
+      </p:sp>
+    </p:spTree>
+    <p:extLst>
+      <p:ext uri="{BB962C8B-B14F-4D97-AF65-F5344CB8AC3E}">
+        <p14:creationId xmlns:p14="http://schemas.microsoft.com/office/powerpoint/2010/main" val="691514643"/>
+      </p:ext>
+    </p:extLst>
+  </p:cSld>
+  <p:clrMapOvr>
+    <a:masterClrMapping/>
+  </p:clrMapOvr>
+</p:notes>
+</file>
+
+<file path=ppt/notesSlides/notesSlide27.xml><?xml version="1.0" encoding="utf-8"?>
+<p:notes xmlns:a="http://schemas.openxmlformats.org/drawingml/2006/main" xmlns:r="http://schemas.openxmlformats.org/officeDocument/2006/relationships" xmlns:p="http://schemas.openxmlformats.org/presentationml/2006/main">
+  <p:cSld>
+    <p:spTree>
+      <p:nvGrpSpPr>
+        <p:cNvPr id="1" name=""/>
+        <p:cNvGrpSpPr/>
+        <p:nvPr/>
+      </p:nvGrpSpPr>
+      <p:grpSpPr>
+        <a:xfrm>
+          <a:off x="0" y="0"/>
+          <a:ext cx="0" cy="0"/>
+          <a:chOff x="0" y="0"/>
+          <a:chExt cx="0" cy="0"/>
+        </a:xfrm>
+      </p:grpSpPr>
+      <p:sp>
+        <p:nvSpPr>
+          <p:cNvPr id="2" name="Slide Image Placeholder 1"/>
+          <p:cNvSpPr>
+            <a:spLocks noGrp="1" noRot="1" noChangeAspect="1"/>
+          </p:cNvSpPr>
+          <p:nvPr>
+            <p:ph type="sldImg"/>
+          </p:nvPr>
+        </p:nvSpPr>
+        <p:spPr/>
+      </p:sp>
+      <p:sp>
+        <p:nvSpPr>
+          <p:cNvPr id="3" name="Notes Placeholder 2"/>
+          <p:cNvSpPr>
+            <a:spLocks noGrp="1"/>
+          </p:cNvSpPr>
+          <p:nvPr>
+            <p:ph type="body" idx="1"/>
+          </p:nvPr>
+        </p:nvSpPr>
+        <p:spPr/>
+        <p:txBody>
+          <a:bodyPr/>
+          <a:lstStyle/>
+          <a:p>
+            <a:r>
+              <a:rPr lang="en-US" b="1" i="1" dirty="0"/>
+              <a:t>While we are interested in the microservices approach, we are still comparing Service Fabric with PaaS features such as App Services and SQL DB. </a:t>
+            </a:r>
+            <a:r>
+              <a:rPr lang="en-US" sz="1200" b="1" i="1" kern="1200" dirty="0">
+                <a:solidFill>
+                  <a:schemeClr val="tx1"/>
+                </a:solidFill>
+                <a:effectLst/>
+                <a:latin typeface="+mn-lt"/>
+                <a:ea typeface="+mn-ea"/>
+                <a:cs typeface="+mn-cs"/>
+              </a:rPr>
+              <a:t>How mature is Service Fabric by comparison?</a:t>
+            </a:r>
+          </a:p>
+          <a:p>
+            <a:pPr marL="171450" indent="-171450">
+              <a:buFont typeface="Arial" panose="020B0604020202020204" pitchFamily="34" charset="0"/>
+              <a:buChar char="•"/>
+            </a:pPr>
+            <a:r>
+              <a:rPr lang="en-US" b="0" i="0" dirty="0"/>
+              <a:t>Service Fabric has been battle tested for many years prior to becoming generally available. In fact, Service Fabric is the underlying foundation for Azure’s own SQL DB and Cosmos DB services among other high traffic applications such as the very popular Halo game. </a:t>
+            </a:r>
+          </a:p>
+          <a:p>
+            <a:pPr marL="171450" indent="-171450">
+              <a:buFont typeface="Arial" panose="020B0604020202020204" pitchFamily="34" charset="0"/>
+              <a:buChar char="•"/>
+            </a:pPr>
+            <a:r>
+              <a:rPr lang="en-US" b="0" i="0" dirty="0"/>
+              <a:t> </a:t>
+            </a:r>
+          </a:p>
+          <a:p>
+            <a:pPr marL="171450" indent="-171450">
+              <a:buFont typeface="Arial" panose="020B0604020202020204" pitchFamily="34" charset="0"/>
+              <a:buChar char="•"/>
+            </a:pPr>
+            <a:r>
+              <a:rPr lang="en-US" b="0" i="0" dirty="0"/>
+              <a:t>As for choosing between Service Fabric and App Services or SQL DB the benefits of the former include:</a:t>
+            </a:r>
+          </a:p>
+          <a:p>
+            <a:pPr marL="628650" lvl="1" indent="-171450">
+              <a:buFont typeface="Arial" panose="020B0604020202020204" pitchFamily="34" charset="0"/>
+              <a:buChar char="•"/>
+            </a:pPr>
+            <a:r>
+              <a:rPr lang="en-US" b="0" i="0" dirty="0"/>
+              <a:t>The ability to deploy individual application services without concern over the target infrastructure – let Service Fabric decide the target nodes appropriate for each tier and service type.</a:t>
+            </a:r>
+          </a:p>
+          <a:p>
+            <a:pPr marL="628650" lvl="1" indent="-171450">
+              <a:buFont typeface="Arial" panose="020B0604020202020204" pitchFamily="34" charset="0"/>
+              <a:buChar char="•"/>
+            </a:pPr>
+            <a:r>
+              <a:rPr lang="en-US" b="0" i="0" dirty="0"/>
+              <a:t>Simplified approach to managing data persistence with stateful services.</a:t>
+            </a:r>
+          </a:p>
+          <a:p>
+            <a:pPr marL="628650" lvl="1" indent="-171450">
+              <a:buFont typeface="Arial" panose="020B0604020202020204" pitchFamily="34" charset="0"/>
+              <a:buChar char="•"/>
+            </a:pPr>
+            <a:r>
+              <a:rPr lang="en-US" b="0" i="0" dirty="0"/>
+              <a:t>Microservices design from the ground up on a platform that is specifically designed for that purpose – with the ability to scale.</a:t>
+            </a:r>
+          </a:p>
+          <a:p>
+            <a:pPr marL="628650" lvl="1" indent="-171450">
+              <a:buFont typeface="Arial" panose="020B0604020202020204" pitchFamily="34" charset="0"/>
+              <a:buChar char="•"/>
+            </a:pPr>
+            <a:endParaRPr lang="en-US" b="0" i="0" dirty="0"/>
+          </a:p>
+          <a:p>
+            <a:pPr marL="0" indent="0">
+              <a:buFont typeface="Arial" panose="020B0604020202020204" pitchFamily="34" charset="0"/>
+              <a:buNone/>
+            </a:pPr>
+            <a:r>
+              <a:rPr lang="en-US" b="1" i="1" dirty="0"/>
+              <a:t>Microservices architectures are completely new to the Contoso Events team. If we were to go forward with Service Fabric, we would like to understand what skills the team can carry forward, and how much of a learning curve exists.</a:t>
+            </a:r>
+            <a:endParaRPr lang="en-US" b="0" i="0" dirty="0"/>
+          </a:p>
+          <a:p>
+            <a:pPr marL="171450" indent="-171450">
+              <a:buFont typeface="Arial" panose="020B0604020202020204" pitchFamily="34" charset="0"/>
+              <a:buChar char="•"/>
+            </a:pPr>
+            <a:r>
+              <a:rPr lang="en-US" b="0" i="0" dirty="0"/>
+              <a:t>Service Fabric is a natural transition for .NET developers in many respects:</a:t>
+            </a:r>
+          </a:p>
+          <a:p>
+            <a:pPr marL="628650" lvl="1" indent="-171450">
+              <a:buFont typeface="Arial" panose="020B0604020202020204" pitchFamily="34" charset="0"/>
+              <a:buChar char="•"/>
+            </a:pPr>
+            <a:r>
+              <a:rPr lang="en-US" b="0" i="0" dirty="0"/>
+              <a:t>They can continue to use Visual Studio for development, debugging and publishing applications</a:t>
+            </a:r>
+          </a:p>
+          <a:p>
+            <a:pPr marL="628650" lvl="1" indent="-171450">
+              <a:buFont typeface="Arial" panose="020B0604020202020204" pitchFamily="34" charset="0"/>
+              <a:buChar char="•"/>
+            </a:pPr>
+            <a:r>
+              <a:rPr lang="en-US" b="0" i="0" dirty="0"/>
+              <a:t>They can leverage Service Fabric project templates to kick-start their understanding of Service Fabric services.</a:t>
+            </a:r>
+          </a:p>
+          <a:p>
+            <a:pPr marL="628650" lvl="1" indent="-171450">
+              <a:buFont typeface="Arial" panose="020B0604020202020204" pitchFamily="34" charset="0"/>
+              <a:buChar char="•"/>
+            </a:pPr>
+            <a:r>
+              <a:rPr lang="en-US" b="0" i="0" dirty="0"/>
+              <a:t>The programming model for services is familiar. </a:t>
+            </a:r>
+          </a:p>
+          <a:p>
+            <a:pPr marL="628650" lvl="1" indent="-171450">
+              <a:buFont typeface="Arial" panose="020B0604020202020204" pitchFamily="34" charset="0"/>
+              <a:buChar char="•"/>
+            </a:pPr>
+            <a:r>
+              <a:rPr lang="en-US" b="0" i="0" dirty="0"/>
+              <a:t>Working with stateful services is also familiar in the sense that state is defined via objects (POCO) and serialized as part of the service implementation. </a:t>
+            </a:r>
+          </a:p>
+          <a:p>
+            <a:pPr marL="171450" indent="-171450">
+              <a:buFont typeface="Arial" panose="020B0604020202020204" pitchFamily="34" charset="0"/>
+              <a:buChar char="•"/>
+            </a:pPr>
+            <a:endParaRPr lang="en-US" b="1" i="1" dirty="0"/>
+          </a:p>
+          <a:p>
+            <a:pPr marL="0" indent="0">
+              <a:buFont typeface="Arial" panose="020B0604020202020204" pitchFamily="34" charset="0"/>
+              <a:buNone/>
+            </a:pPr>
+            <a:r>
+              <a:rPr lang="en-US" b="1" i="1" dirty="0"/>
+              <a:t>We’d like to understand if stateful services or stateful actors will help us with ticket ordering throughput, workflow and state management, and easier rollouts of changes to this process.</a:t>
+            </a:r>
+            <a:endParaRPr lang="en-US" b="0" i="0" dirty="0"/>
+          </a:p>
+          <a:p>
+            <a:pPr marL="171450" indent="-171450">
+              <a:buFont typeface="Arial" panose="020B0604020202020204" pitchFamily="34" charset="0"/>
+              <a:buChar char="•"/>
+            </a:pPr>
+            <a:r>
+              <a:rPr lang="en-US" b="0" i="0" dirty="0"/>
+              <a:t>Stateful services are backed by robust and reliable storage. When data (state) is saved by the service, it is not confirmed (committed) unless a quorum is reached. </a:t>
+            </a:r>
+          </a:p>
+          <a:p>
+            <a:pPr marL="171450" indent="-171450">
+              <a:buFont typeface="Arial" panose="020B0604020202020204" pitchFamily="34" charset="0"/>
+              <a:buChar char="•"/>
+            </a:pPr>
+            <a:r>
+              <a:rPr lang="en-US" b="0" i="0" dirty="0"/>
+              <a:t>By using the stateful actor, not only is the persistence of the actual ticket order handled by the Service Fabric at scale, but the actor can be wholly responsible for the workflow required to complete the order</a:t>
+            </a:r>
+          </a:p>
+          <a:p>
+            <a:pPr marL="171450" indent="-171450">
+              <a:buFont typeface="Arial" panose="020B0604020202020204" pitchFamily="34" charset="0"/>
+              <a:buChar char="•"/>
+            </a:pPr>
+            <a:r>
+              <a:rPr lang="en-US" b="0" i="0" dirty="0"/>
+              <a:t>When updates to this actor are required, the existing state is preserved, any active instances can continue completing their work, and the new actor functionality or state requirements can be rolled out safely across the nodes in the cluster, eventually retiring the previous version.</a:t>
+            </a:r>
+          </a:p>
+          <a:p>
+            <a:pPr marL="171450" indent="-171450">
+              <a:buFont typeface="Arial" panose="020B0604020202020204" pitchFamily="34" charset="0"/>
+              <a:buChar char="•"/>
+            </a:pPr>
+            <a:endParaRPr lang="en-US" b="1" i="1" dirty="0"/>
+          </a:p>
+          <a:p>
+            <a:pPr marL="0" indent="0">
+              <a:buFont typeface="Arial" panose="020B0604020202020204" pitchFamily="34" charset="0"/>
+              <a:buNone/>
+            </a:pPr>
+            <a:r>
+              <a:rPr lang="en-US" b="1" i="1" dirty="0"/>
+              <a:t>We are not clear how and where to incorporate stateful services and actors alongside other storage such as Cosmos DB. We need the ability to support robust ad-hoc queries against our system data such as events, customers, orders and related metrics – but would like to take advantage of the performance and reliability of Service Fabric stateful options as well.</a:t>
+            </a:r>
+          </a:p>
+          <a:p>
+            <a:pPr marL="171450" indent="-171450">
+              <a:buFont typeface="Arial" panose="020B0604020202020204" pitchFamily="34" charset="0"/>
+              <a:buChar char="•"/>
+            </a:pPr>
+            <a:r>
+              <a:rPr lang="en-US" b="0" i="0" dirty="0"/>
+              <a:t>Stateful services make it easy to save and retrieve state, and distribute that state for higher availability by using a partitioning strategy. Each partition has its own replica set for reliability.</a:t>
+            </a:r>
+          </a:p>
+          <a:p>
+            <a:pPr marL="171450" indent="-171450">
+              <a:buFont typeface="Arial" panose="020B0604020202020204" pitchFamily="34" charset="0"/>
+              <a:buChar char="•"/>
+            </a:pPr>
+            <a:r>
+              <a:rPr lang="en-US" b="0" i="0" dirty="0"/>
+              <a:t>You can replicate this state to an external store like Cosmos DB to support ad-hoc querying, analytics and disaster recovery.</a:t>
+            </a:r>
+          </a:p>
+          <a:p>
+            <a:pPr marL="171450" indent="-171450">
+              <a:buFont typeface="Arial" panose="020B0604020202020204" pitchFamily="34" charset="0"/>
+              <a:buChar char="•"/>
+            </a:pPr>
+            <a:endParaRPr lang="en-US" b="0" i="0" dirty="0"/>
+          </a:p>
+          <a:p>
+            <a:pPr marL="0" indent="0">
+              <a:buFont typeface="Arial" panose="020B0604020202020204" pitchFamily="34" charset="0"/>
+              <a:buNone/>
+            </a:pPr>
+            <a:r>
+              <a:rPr lang="en-US" b="1" i="1" dirty="0"/>
+              <a:t>Could we consider Azure Functions as an alternative back end implementation for our APIs? </a:t>
+            </a:r>
+          </a:p>
+          <a:p>
+            <a:pPr marL="171450" indent="-171450">
+              <a:buFont typeface="Arial" panose="020B0604020202020204" pitchFamily="34" charset="0"/>
+              <a:buChar char="•"/>
+            </a:pPr>
+            <a:r>
+              <a:rPr lang="en-US" dirty="0"/>
+              <a:t>While it is possible to create functions that run behind API Management endpoints, they are best employed for decoupled, asynchronous background operations that can be run at scale without concern for the specific server running that operation. </a:t>
+            </a:r>
+          </a:p>
+          <a:p>
+            <a:pPr marL="171450" indent="-171450">
+              <a:buFont typeface="Arial" panose="020B0604020202020204" pitchFamily="34" charset="0"/>
+              <a:buChar char="•"/>
+            </a:pPr>
+            <a:r>
+              <a:rPr lang="en-US" dirty="0"/>
+              <a:t>In this solution, Azure Functions allowed for decoupling the external storage location of orders, without the need to update Service Fabric configurations on change. It also allowed for a separate scale-out tier for that work.</a:t>
+            </a:r>
+          </a:p>
+          <a:p>
+            <a:pPr marL="171450" indent="-171450">
+              <a:buFont typeface="Arial" panose="020B0604020202020204" pitchFamily="34" charset="0"/>
+              <a:buChar char="•"/>
+            </a:pPr>
+            <a:r>
+              <a:rPr lang="en-US" dirty="0"/>
+              <a:t>In a solution such as a mobile application back end, functions could be useful if they don’t need to comingle with other solution aspects – such as acting as their own microservice with a targeted purpose. </a:t>
+            </a:r>
+          </a:p>
+        </p:txBody>
+      </p:sp>
+      <p:sp>
+        <p:nvSpPr>
+          <p:cNvPr id="4" name="Slide Number Placeholder 3"/>
+          <p:cNvSpPr>
+            <a:spLocks noGrp="1"/>
+          </p:cNvSpPr>
+          <p:nvPr>
+            <p:ph type="sldNum" sz="quarter" idx="10"/>
+          </p:nvPr>
+        </p:nvSpPr>
+        <p:spPr/>
+        <p:txBody>
+          <a:bodyPr/>
+          <a:lstStyle/>
+          <a:p>
+            <a:fld id="{0998D5BB-B127-481F-BC0A-2F77C576BB34}" type="slidenum">
+              <a:rPr lang="en-US" smtClean="0"/>
+              <a:t>27</a:t>
+            </a:fld>
+            <a:endParaRPr lang="en-US" dirty="0"/>
+          </a:p>
+        </p:txBody>
+      </p:sp>
+    </p:spTree>
+    <p:extLst>
+      <p:ext uri="{BB962C8B-B14F-4D97-AF65-F5344CB8AC3E}">
+        <p14:creationId xmlns:p14="http://schemas.microsoft.com/office/powerpoint/2010/main" val="270651956"/>
+      </p:ext>
+    </p:extLst>
+  </p:cSld>
+  <p:clrMapOvr>
+    <a:masterClrMapping/>
+  </p:clrMapOvr>
+</p:notes>
+</file>
+
+<file path=ppt/notesSlides/notesSlide28.xml><?xml version="1.0" encoding="utf-8"?>
+<p:notes xmlns:a="http://schemas.openxmlformats.org/drawingml/2006/main" xmlns:r="http://schemas.openxmlformats.org/officeDocument/2006/relationships" xmlns:p="http://schemas.openxmlformats.org/presentationml/2006/main">
+  <p:cSld>
+    <p:spTree>
+      <p:nvGrpSpPr>
+        <p:cNvPr id="1" name=""/>
+        <p:cNvGrpSpPr/>
+        <p:nvPr/>
+      </p:nvGrpSpPr>
+      <p:grpSpPr>
+        <a:xfrm>
+          <a:off x="0" y="0"/>
+          <a:ext cx="0" cy="0"/>
+          <a:chOff x="0" y="0"/>
+          <a:chExt cx="0" cy="0"/>
+        </a:xfrm>
+      </p:grpSpPr>
+      <p:sp>
+        <p:nvSpPr>
+          <p:cNvPr id="2" name="Slide Image Placeholder 1"/>
+          <p:cNvSpPr>
+            <a:spLocks noGrp="1" noRot="1" noChangeAspect="1"/>
+          </p:cNvSpPr>
+          <p:nvPr>
+            <p:ph type="sldImg"/>
+          </p:nvPr>
+        </p:nvSpPr>
+        <p:spPr/>
+      </p:sp>
+      <p:sp>
+        <p:nvSpPr>
+          <p:cNvPr id="3" name="Notes Placeholder 2"/>
+          <p:cNvSpPr>
+            <a:spLocks noGrp="1"/>
+          </p:cNvSpPr>
+          <p:nvPr>
+            <p:ph type="body" idx="1"/>
+          </p:nvPr>
+        </p:nvSpPr>
+        <p:spPr/>
+        <p:txBody>
+          <a:bodyPr/>
+          <a:lstStyle/>
+          <a:p>
+            <a:endParaRPr lang="en-US" dirty="0"/>
+          </a:p>
+        </p:txBody>
+      </p:sp>
+      <p:sp>
+        <p:nvSpPr>
+          <p:cNvPr id="4" name="Slide Number Placeholder 3"/>
+          <p:cNvSpPr>
+            <a:spLocks noGrp="1"/>
+          </p:cNvSpPr>
+          <p:nvPr>
+            <p:ph type="sldNum" sz="quarter" idx="10"/>
+          </p:nvPr>
+        </p:nvSpPr>
+        <p:spPr/>
+        <p:txBody>
+          <a:bodyPr/>
+          <a:lstStyle/>
+          <a:p>
+            <a:fld id="{0998D5BB-B127-481F-BC0A-2F77C576BB34}" type="slidenum">
+              <a:rPr lang="en-US" smtClean="0"/>
+              <a:t>28</a:t>
+            </a:fld>
+            <a:endParaRPr lang="en-US" dirty="0"/>
+          </a:p>
+        </p:txBody>
+      </p:sp>
+    </p:spTree>
+    <p:extLst>
+      <p:ext uri="{BB962C8B-B14F-4D97-AF65-F5344CB8AC3E}">
         <p14:creationId xmlns:p14="http://schemas.microsoft.com/office/powerpoint/2010/main" val="671285550"/>
       </p:ext>
     </p:extLst>
@@ -4138,7 +5578,7 @@
 </p:notes>
 </file>
 
-<file path=ppt/notesSlides/notesSlide25.xml><?xml version="1.0" encoding="utf-8"?>
+<file path=ppt/notesSlides/notesSlide29.xml><?xml version="1.0" encoding="utf-8"?>
 <p:notes xmlns:a="http://schemas.openxmlformats.org/drawingml/2006/main" xmlns:r="http://schemas.openxmlformats.org/officeDocument/2006/relationships" xmlns:p="http://schemas.openxmlformats.org/presentationml/2006/main">
   <p:cSld>
     <p:spTree>
@@ -4253,7 +5693,7 @@
                   <a:prstClr val="black"/>
                 </a:solidFill>
               </a:rPr>
-              <a:t>6/12/2018 7:09 PM</a:t>
+              <a:t>6/29/2018 12:41 PM</a:t>
             </a:fld>
             <a:endParaRPr lang="en-US" dirty="0">
               <a:solidFill>
@@ -4285,7 +5725,7 @@
                 </a:solidFill>
               </a:rPr>
               <a:pPr/>
-              <a:t>25</a:t>
+              <a:t>29</a:t>
             </a:fld>
             <a:endParaRPr lang="en-US" dirty="0">
               <a:solidFill>
@@ -18224,7 +19664,7 @@
           <p:nvPr>
             <p:extLst>
               <p:ext uri="{D42A27DB-BD31-4B8C-83A1-F6EECF244321}">
-                <p14:modId xmlns:p14="http://schemas.microsoft.com/office/powerpoint/2010/main" val="1739462754"/>
+                <p14:modId xmlns:p14="http://schemas.microsoft.com/office/powerpoint/2010/main" val="1132080669"/>
               </p:ext>
             </p:extLst>
           </p:nvPr>
@@ -18286,7 +19726,7 @@
                           <a:latin typeface="Segoe UI" panose="020B0502040204020203" pitchFamily="34" charset="0"/>
                           <a:cs typeface="Segoe UI" panose="020B0502040204020203" pitchFamily="34" charset="0"/>
                         </a:rPr>
-                        <a:t>(10 minutes)</a:t>
+                        <a:t>(15 minutes)</a:t>
                       </a:r>
                       <a:br>
                         <a:rPr lang="en-US" sz="1300" b="0" i="0" dirty="0">
@@ -19204,16 +20644,10 @@
             </a:r>
           </a:p>
           <a:p>
-            <a:endParaRPr lang="en-US" sz="3600" dirty="0"/>
-          </a:p>
-          <a:p>
             <a:r>
               <a:rPr lang="en-US" sz="3600" dirty="0"/>
               <a:t>Primary audience is business and technology decision makers</a:t>
             </a:r>
-          </a:p>
-          <a:p>
-            <a:endParaRPr lang="en-US" sz="3600" dirty="0"/>
           </a:p>
           <a:p>
             <a:r>
@@ -19461,7 +20895,7 @@
       </p:sp>
       <p:pic>
         <p:nvPicPr>
-          <p:cNvPr id="4" name="Picture 3" descr="Diagram of a high-level architecture of the core services that compose the new microservices architecture, as well as the state they hold. The diagram is made up of external services, microservices and state, and externalized state. External services is payment processing, external state is Orders/Events/CustomerAccounts, and Microservices and state is: Event Catalog, Customer Accounts, and Ticket Orders services, Queue, Ticket Actor Service, Ticket, Email Service, and Payment Service.&#10;&#10;In the diagram, Two arrows labeled &quot;Read from Externalized state&quot; point from Externalized state to Customer Accounts Services and Event Catalog Service. The remaining microservices and state have an arrow labeled &quot;Esternalize state for aggregation&quot; pointing back to Externalized state." title="Preferred New microservices architecture solution">
+          <p:cNvPr id="4" name="Picture 3" descr="Preferred New microservices architecture solution&#10;&#10;Diagram of a high-level architecture of the core services that compose the new microservices architecture, as well as the state they hold. The diagram is made up of external services, microservices and state, and externalized state. External services is payment processing, external state is Orders/Events/CustomerAccounts, and Microservices and state is: Event Catalog, Customer Accounts, and Ticket Orders services, Queue, Ticket Actor Service, Ticket, Email Service, and Payment Service.&#10;&#10;In the diagram, Two arrows labeled &quot;Read from Externalized state&quot; point from Externalized state to Customer Accounts Services and Event Catalog Service. The remaining microservices and state have an arrow labeled &quot;Externalize state for aggregation&quot; pointing back to Externalized state.">
             <a:extLst>
               <a:ext uri="{FF2B5EF4-FFF2-40B4-BE49-F238E27FC236}">
                 <a16:creationId xmlns:a16="http://schemas.microsoft.com/office/drawing/2014/main" id="{73F9A010-51FF-4429-8626-073DB669009B}"/>
@@ -19624,7 +21058,7 @@
       </p:sp>
       <p:pic>
         <p:nvPicPr>
-          <p:cNvPr id="22" name="Picture 21" descr="This Scalability of Ticket Orders diagram illustrates in more detail the Service Fabric services and components participating in a ticket ordering request. The  diagram is discussed in slightly more detail in the text following this diagram. However, at this time, we are unable to capture all of the information in the diagram. Future versions of this course should address this." title="Scalability of Ticket Orders diagram">
+          <p:cNvPr id="22" name="Picture 21" descr="Scalability of Ticket Orders diagram&#10;&#10;This Scalability of Ticket Orders diagram illustrates in more detail the Service Fabric services and components participating in a ticket ordering request. The  diagram is discussed in slightly more detail in the text following this diagram. ">
             <a:extLst>
               <a:ext uri="{FF2B5EF4-FFF2-40B4-BE49-F238E27FC236}">
                 <a16:creationId xmlns:a16="http://schemas.microsoft.com/office/drawing/2014/main" id="{AF4A945C-52B1-4341-96AB-CB1CC61FF713}"/>
@@ -19766,7 +21200,7 @@
         </p:spPr>
         <p:txBody>
           <a:bodyPr>
-            <a:normAutofit fontScale="92500" lnSpcReduction="20000"/>
+            <a:normAutofit/>
           </a:bodyPr>
           <a:lstStyle/>
           <a:p>
@@ -19782,8 +21216,6 @@
               </a:rPr>
               <a:t>Scalability of ticket orders</a:t>
             </a:r>
-          </a:p>
-          <a:p>
             <a:endParaRPr lang="en-US" sz="3600" dirty="0">
               <a:solidFill>
                 <a:schemeClr val="tx1"/>
@@ -19801,13 +21233,6 @@
             </a:r>
           </a:p>
           <a:p>
-            <a:endParaRPr lang="en-US" sz="3600" dirty="0">
-              <a:solidFill>
-                <a:schemeClr val="tx1"/>
-              </a:solidFill>
-            </a:endParaRPr>
-          </a:p>
-          <a:p>
             <a:r>
               <a:rPr lang="en-US" sz="3600" dirty="0">
                 <a:solidFill>
@@ -19818,13 +21243,6 @@
             </a:r>
           </a:p>
           <a:p>
-            <a:endParaRPr lang="en-US" sz="3600" dirty="0">
-              <a:solidFill>
-                <a:schemeClr val="tx1"/>
-              </a:solidFill>
-            </a:endParaRPr>
-          </a:p>
-          <a:p>
             <a:r>
               <a:rPr lang="en-US" sz="3600" dirty="0">
                 <a:solidFill>
@@ -19833,13 +21251,6 @@
               </a:rPr>
               <a:t>Ticket Order Actor handles processing</a:t>
             </a:r>
-          </a:p>
-          <a:p>
-            <a:endParaRPr lang="en-US" sz="3600" dirty="0">
-              <a:solidFill>
-                <a:schemeClr val="tx1"/>
-              </a:solidFill>
-            </a:endParaRPr>
           </a:p>
           <a:p>
             <a:r>
@@ -20132,7 +21543,7 @@
                 <a:latin typeface="Segoe UI Semilight" panose="020B0402040204020203" pitchFamily="34" charset="0"/>
                 <a:cs typeface="Segoe UI Semilight" panose="020B0402040204020203" pitchFamily="34" charset="0"/>
               </a:rPr>
-              <a:t>Help attendees gain a better understanding of microservices and serverless architectures. Attendees will help an online concert ticket vendor survive the first 5 minutes of crushing load by handling the client's scaling needs through microservices built on top of Service Fabric. Students will also apply smooth updates roll-back failing updates, and design a load testing implementation to optimize the architecture for handling spikes in traffic.</a:t>
+              <a:t>Help attendees gain a better understanding of microservices and serverless architectures. Attendees will help an online concert ticket vendor survive the first 5 minutes of crushing load by handling the client's scaling needs through microservices built on top of Service Fabric. Attendees will also apply smooth updates roll-back failing updates, and design a load testing implementation to optimize the architecture for handling spikes in traffic.</a:t>
             </a:r>
             <a:endParaRPr lang="en-US" sz="2400" dirty="0"/>
           </a:p>
@@ -20333,7 +21744,7 @@
         </p:spPr>
         <p:txBody>
           <a:bodyPr>
-            <a:normAutofit fontScale="92500" lnSpcReduction="10000"/>
+            <a:normAutofit/>
           </a:bodyPr>
           <a:lstStyle/>
           <a:p>
@@ -20349,8 +21760,6 @@
               </a:rPr>
               <a:t>Improving DevOps workflows</a:t>
             </a:r>
-          </a:p>
-          <a:p>
             <a:endParaRPr lang="en-US" sz="3600" dirty="0">
               <a:solidFill>
                 <a:schemeClr val="tx1"/>
@@ -20367,8 +21776,6 @@
               </a:rPr>
               <a:t>Visual Studio Service Fabric solution</a:t>
             </a:r>
-          </a:p>
-          <a:p>
             <a:endParaRPr lang="en-US" sz="3600" dirty="0">
               <a:solidFill>
                 <a:schemeClr val="tx1"/>
@@ -20385,8 +21792,6 @@
               </a:rPr>
               <a:t>Upgrade application to preserve state</a:t>
             </a:r>
-          </a:p>
-          <a:p>
             <a:endParaRPr lang="en-US" sz="3600" dirty="0">
               <a:solidFill>
                 <a:schemeClr val="tx1"/>
@@ -20402,8 +21807,6 @@
               </a:rPr>
               <a:t>Service Fabric performance counters drive auto-scaling</a:t>
             </a:r>
-          </a:p>
-          <a:p>
             <a:endParaRPr lang="en-US" sz="3600" dirty="0">
               <a:solidFill>
                 <a:schemeClr val="tx1"/>
@@ -20805,8 +22208,6 @@
               </a:rPr>
               <a:t>Improving DevOps workflows</a:t>
             </a:r>
-          </a:p>
-          <a:p>
             <a:endParaRPr lang="en-US" sz="3600" dirty="0">
               <a:solidFill>
                 <a:schemeClr val="tx1"/>
@@ -20823,8 +22224,6 @@
               </a:rPr>
               <a:t>Problems and failures reported in Service Fabric health manager</a:t>
             </a:r>
-          </a:p>
-          <a:p>
             <a:endParaRPr lang="en-US" sz="3600" dirty="0">
               <a:solidFill>
                 <a:schemeClr val="tx1"/>
@@ -20841,8 +22240,6 @@
               </a:rPr>
               <a:t>Cluster security provisioned up front</a:t>
             </a:r>
-          </a:p>
-          <a:p>
             <a:endParaRPr lang="en-US" sz="3600" dirty="0">
               <a:solidFill>
                 <a:schemeClr val="tx1"/>
@@ -20876,7 +22273,7 @@
         </p:nvGrpSpPr>
         <p:grpSpPr>
           <a:xfrm>
-            <a:off x="6960975" y="-228144"/>
+            <a:off x="6912207" y="-228144"/>
             <a:ext cx="7185009" cy="6400344"/>
             <a:chOff x="6960975" y="-228144"/>
             <a:chExt cx="7185009" cy="6400344"/>
@@ -21233,7 +22630,7 @@
         </p:spPr>
         <p:txBody>
           <a:bodyPr>
-            <a:normAutofit lnSpcReduction="10000"/>
+            <a:normAutofit/>
           </a:bodyPr>
           <a:lstStyle/>
           <a:p>
@@ -21249,8 +22646,6 @@
               </a:rPr>
               <a:t>Controlling Access to APIs</a:t>
             </a:r>
-          </a:p>
-          <a:p>
             <a:endParaRPr lang="en-US" sz="3600" dirty="0">
               <a:solidFill>
                 <a:schemeClr val="tx1"/>
@@ -21267,8 +22662,6 @@
               </a:rPr>
               <a:t>API publishing tools and Swagger</a:t>
             </a:r>
-          </a:p>
-          <a:p>
             <a:endParaRPr lang="en-US" sz="3600" dirty="0">
               <a:solidFill>
                 <a:schemeClr val="tx1"/>
@@ -21285,8 +22678,6 @@
               </a:rPr>
               <a:t>Leverage API Management features</a:t>
             </a:r>
-          </a:p>
-          <a:p>
             <a:endParaRPr lang="en-US" sz="3600" dirty="0">
               <a:solidFill>
                 <a:schemeClr val="tx1"/>
@@ -21303,8 +22694,6 @@
               </a:rPr>
               <a:t>All API consumers issued a key</a:t>
             </a:r>
-          </a:p>
-          <a:p>
             <a:endParaRPr lang="en-US" sz="3600" dirty="0">
               <a:solidFill>
                 <a:schemeClr val="tx1"/>
@@ -21690,7 +23079,7 @@
         </p:spPr>
         <p:txBody>
           <a:bodyPr>
-            <a:normAutofit fontScale="92500" lnSpcReduction="20000"/>
+            <a:normAutofit fontScale="85000" lnSpcReduction="20000"/>
           </a:bodyPr>
           <a:lstStyle/>
           <a:p>
@@ -21704,6 +23093,41 @@
             </a:r>
           </a:p>
           <a:p>
+            <a:pPr marL="407996" lvl="1" indent="-171450"/>
+            <a:r>
+              <a:rPr lang="en-US" sz="3000" dirty="0"/>
+              <a:t>Service Fabric has been battle tested for many years prior to becoming generally available. In fact, Service Fabric is the underlying foundation for Azure’s own SQL DB and Cosmos DB services among other high traffic applications such as the very popular Halo game. </a:t>
+            </a:r>
+          </a:p>
+          <a:p>
+            <a:pPr marL="407996" lvl="1" indent="-171450"/>
+            <a:r>
+              <a:rPr lang="en-US" sz="3000" dirty="0"/>
+              <a:t>As for choosing between Service Fabric and App Services or SQL DB the benefits of the former include:</a:t>
+            </a:r>
+          </a:p>
+          <a:p>
+            <a:pPr marL="840297" lvl="2" indent="-171450"/>
+            <a:r>
+              <a:rPr lang="en-US" sz="3100" dirty="0"/>
+              <a:t>The ability to deploy individual application services without concern over the target infrastructure – let Service Fabric decide the target nodes appropriate for each tier and service type</a:t>
+            </a:r>
+          </a:p>
+          <a:p>
+            <a:pPr marL="840297" lvl="2" indent="-171450"/>
+            <a:r>
+              <a:rPr lang="en-US" sz="3100" dirty="0"/>
+              <a:t>Simplified approach to managing data persistence with stateful services</a:t>
+            </a:r>
+          </a:p>
+          <a:p>
+            <a:pPr marL="840297" lvl="2" indent="-171450"/>
+            <a:r>
+              <a:rPr lang="en-US" sz="3100" dirty="0"/>
+              <a:t>Microservices design from the ground up on a platform that is specifically designed for that purpose – with the ability to scale</a:t>
+            </a:r>
+          </a:p>
+          <a:p>
             <a:endParaRPr lang="en-US" sz="3600" dirty="0">
               <a:solidFill>
                 <a:schemeClr val="tx1"/>
@@ -21711,68 +23135,12 @@
             </a:endParaRPr>
           </a:p>
           <a:p>
-            <a:r>
-              <a:rPr lang="en-US" sz="3600" dirty="0">
-                <a:solidFill>
-                  <a:schemeClr val="tx1"/>
-                </a:solidFill>
-              </a:rPr>
-              <a:t>Which of our existing skills can be applied to microservices and Service Fabric?</a:t>
-            </a:r>
-          </a:p>
-          <a:p>
-            <a:endParaRPr lang="en-US" sz="3600" dirty="0">
+            <a:pPr lvl="1"/>
+            <a:endParaRPr lang="en-US" sz="2032" dirty="0">
               <a:solidFill>
                 <a:schemeClr val="tx1"/>
               </a:solidFill>
             </a:endParaRPr>
-          </a:p>
-          <a:p>
-            <a:r>
-              <a:rPr lang="en-US" sz="3600" dirty="0">
-                <a:solidFill>
-                  <a:schemeClr val="tx1"/>
-                </a:solidFill>
-              </a:rPr>
-              <a:t>Can stateful services or actors help us with ticket ordering throughput?</a:t>
-            </a:r>
-          </a:p>
-          <a:p>
-            <a:pPr marL="0" indent="0">
-              <a:buNone/>
-            </a:pPr>
-            <a:endParaRPr lang="en-US" sz="3600" dirty="0">
-              <a:solidFill>
-                <a:schemeClr val="tx1"/>
-              </a:solidFill>
-            </a:endParaRPr>
-          </a:p>
-          <a:p>
-            <a:r>
-              <a:rPr lang="en-US" sz="3600" dirty="0">
-                <a:solidFill>
-                  <a:schemeClr val="tx1"/>
-                </a:solidFill>
-              </a:rPr>
-              <a:t>How and where can stateful services and actors help us?</a:t>
-            </a:r>
-          </a:p>
-          <a:p>
-            <a:endParaRPr lang="en-US" sz="3600" dirty="0">
-              <a:solidFill>
-                <a:schemeClr val="tx1"/>
-              </a:solidFill>
-            </a:endParaRPr>
-          </a:p>
-          <a:p>
-            <a:r>
-              <a:rPr lang="en-US" sz="3600" dirty="0">
-                <a:solidFill>
-                  <a:schemeClr val="tx1"/>
-                </a:solidFill>
-              </a:rPr>
-              <a:t>How can Azure Functions be leveraged?</a:t>
-            </a:r>
           </a:p>
           <a:p>
             <a:pPr marL="0" indent="0">
@@ -22145,6 +23513,1843 @@
                 </a:solidFill>
                 <a:cs typeface="Segoe UI" panose="020B0502040204020203" pitchFamily="34" charset="0"/>
               </a:rPr>
+              <a:t>Preferred objections handling</a:t>
+            </a:r>
+            <a:br>
+              <a:rPr lang="en-US" dirty="0">
+                <a:solidFill>
+                  <a:schemeClr val="tx1"/>
+                </a:solidFill>
+                <a:latin typeface="Segoe UI" panose="020B0502040204020203" pitchFamily="34" charset="0"/>
+              </a:rPr>
+            </a:br>
+            <a:endParaRPr lang="en-US" sz="3236" dirty="0">
+              <a:solidFill>
+                <a:schemeClr val="tx1"/>
+              </a:solidFill>
+              <a:latin typeface="Segoe UI" panose="020B0502040204020203" pitchFamily="34" charset="0"/>
+            </a:endParaRPr>
+          </a:p>
+        </p:txBody>
+      </p:sp>
+      <p:sp>
+        <p:nvSpPr>
+          <p:cNvPr id="3" name="Content Placeholder 2"/>
+          <p:cNvSpPr>
+            <a:spLocks noGrp="1"/>
+          </p:cNvSpPr>
+          <p:nvPr>
+            <p:ph type="body" sz="quarter" idx="10"/>
+          </p:nvPr>
+        </p:nvSpPr>
+        <p:spPr>
+          <a:xfrm>
+            <a:off x="269239" y="1189176"/>
+            <a:ext cx="9484413" cy="5351323"/>
+          </a:xfrm>
+        </p:spPr>
+        <p:txBody>
+          <a:bodyPr>
+            <a:normAutofit lnSpcReduction="10000"/>
+          </a:bodyPr>
+          <a:lstStyle/>
+          <a:p>
+            <a:r>
+              <a:rPr lang="en-US" sz="3600" dirty="0">
+                <a:solidFill>
+                  <a:schemeClr val="tx1"/>
+                </a:solidFill>
+              </a:rPr>
+              <a:t>Which of our existing skills can be applied to microservices and Service Fabric?</a:t>
+            </a:r>
+          </a:p>
+          <a:p>
+            <a:pPr lvl="1"/>
+            <a:r>
+              <a:rPr lang="en-US" sz="2800" dirty="0">
+                <a:solidFill>
+                  <a:schemeClr val="tx1"/>
+                </a:solidFill>
+              </a:rPr>
+              <a:t>Service Fabric is a natural transition for .NET developers in many respects:</a:t>
+            </a:r>
+          </a:p>
+          <a:p>
+            <a:pPr lvl="1"/>
+            <a:r>
+              <a:rPr lang="en-US" sz="2800" dirty="0">
+                <a:solidFill>
+                  <a:schemeClr val="tx1"/>
+                </a:solidFill>
+              </a:rPr>
+              <a:t>They can continue to use Visual Studio for development, debugging and publishing applications</a:t>
+            </a:r>
+          </a:p>
+          <a:p>
+            <a:pPr lvl="1"/>
+            <a:r>
+              <a:rPr lang="en-US" sz="2800" dirty="0">
+                <a:solidFill>
+                  <a:schemeClr val="tx1"/>
+                </a:solidFill>
+              </a:rPr>
+              <a:t>They can leverage Service Fabric project templates to kick-start their understanding of Service Fabric services.</a:t>
+            </a:r>
+          </a:p>
+          <a:p>
+            <a:pPr lvl="1"/>
+            <a:r>
+              <a:rPr lang="en-US" sz="2800" dirty="0">
+                <a:solidFill>
+                  <a:schemeClr val="tx1"/>
+                </a:solidFill>
+              </a:rPr>
+              <a:t>The programming model for services is familiar </a:t>
+            </a:r>
+          </a:p>
+          <a:p>
+            <a:pPr lvl="1"/>
+            <a:r>
+              <a:rPr lang="en-US" sz="2800" dirty="0">
+                <a:solidFill>
+                  <a:schemeClr val="tx1"/>
+                </a:solidFill>
+              </a:rPr>
+              <a:t>Working with stateful services is also familiar in the sense that state is defined via objects (POCO) and serialized as part of the service implementation</a:t>
+            </a:r>
+          </a:p>
+          <a:p>
+            <a:endParaRPr lang="en-US" sz="3600" dirty="0">
+              <a:solidFill>
+                <a:schemeClr val="tx1"/>
+              </a:solidFill>
+            </a:endParaRPr>
+          </a:p>
+          <a:p>
+            <a:pPr marL="0" indent="0">
+              <a:buNone/>
+            </a:pPr>
+            <a:endParaRPr lang="en-US" sz="3600" dirty="0">
+              <a:solidFill>
+                <a:schemeClr val="tx1"/>
+              </a:solidFill>
+            </a:endParaRPr>
+          </a:p>
+        </p:txBody>
+      </p:sp>
+      <p:grpSp>
+        <p:nvGrpSpPr>
+          <p:cNvPr id="4" name="Group 3" descr="Icons representing bulleted questions." title="Icons">
+            <a:extLst>
+              <a:ext uri="{FF2B5EF4-FFF2-40B4-BE49-F238E27FC236}">
+                <a16:creationId xmlns:a16="http://schemas.microsoft.com/office/drawing/2014/main" id="{C78B7208-B6D0-41AE-83E9-2D82F77F54BB}"/>
+              </a:ext>
+            </a:extLst>
+          </p:cNvPr>
+          <p:cNvGrpSpPr/>
+          <p:nvPr/>
+        </p:nvGrpSpPr>
+        <p:grpSpPr>
+          <a:xfrm>
+            <a:off x="9753652" y="791480"/>
+            <a:ext cx="2171428" cy="5776420"/>
+            <a:chOff x="9753652" y="791480"/>
+            <a:chExt cx="2171428" cy="5776420"/>
+          </a:xfrm>
+        </p:grpSpPr>
+        <p:pic>
+          <p:nvPicPr>
+            <p:cNvPr id="11" name="Picture 10" descr="Customer objections">
+              <a:extLst>
+                <a:ext uri="{FF2B5EF4-FFF2-40B4-BE49-F238E27FC236}">
+                  <a16:creationId xmlns:a16="http://schemas.microsoft.com/office/drawing/2014/main" id="{43752440-B4BA-488D-BC2F-64A9BAB696FE}"/>
+                </a:ext>
+              </a:extLst>
+            </p:cNvPr>
+            <p:cNvPicPr>
+              <a:picLocks noChangeAspect="1"/>
+            </p:cNvPicPr>
+            <p:nvPr/>
+          </p:nvPicPr>
+          <p:blipFill>
+            <a:blip r:embed="rId3"/>
+            <a:stretch>
+              <a:fillRect/>
+            </a:stretch>
+          </p:blipFill>
+          <p:spPr>
+            <a:xfrm>
+              <a:off x="9753652" y="791480"/>
+              <a:ext cx="2171428" cy="2171428"/>
+            </a:xfrm>
+            <a:prstGeom prst="rect">
+              <a:avLst/>
+            </a:prstGeom>
+          </p:spPr>
+        </p:pic>
+        <p:sp>
+          <p:nvSpPr>
+            <p:cNvPr id="12" name="Oval 11" descr="Background" title="Background">
+              <a:extLst>
+                <a:ext uri="{FF2B5EF4-FFF2-40B4-BE49-F238E27FC236}">
+                  <a16:creationId xmlns:a16="http://schemas.microsoft.com/office/drawing/2014/main" id="{B36F925C-1E8A-4471-AD6F-2BC20ECE0093}"/>
+                </a:ext>
+              </a:extLst>
+            </p:cNvPr>
+            <p:cNvSpPr/>
+            <p:nvPr/>
+          </p:nvSpPr>
+          <p:spPr bwMode="auto">
+            <a:xfrm>
+              <a:off x="9970686" y="2903407"/>
+              <a:ext cx="1737360" cy="1737360"/>
+            </a:xfrm>
+            <a:prstGeom prst="ellipse">
+              <a:avLst/>
+            </a:prstGeom>
+            <a:solidFill>
+              <a:srgbClr val="FFC000"/>
+            </a:solidFill>
+            <a:ln>
+              <a:noFill/>
+              <a:headEnd type="none" w="med" len="med"/>
+              <a:tailEnd type="none" w="med" len="med"/>
+            </a:ln>
+            <a:effectLst/>
+          </p:spPr>
+          <p:style>
+            <a:lnRef idx="1">
+              <a:schemeClr val="accent2"/>
+            </a:lnRef>
+            <a:fillRef idx="3">
+              <a:schemeClr val="accent2"/>
+            </a:fillRef>
+            <a:effectRef idx="2">
+              <a:schemeClr val="accent2"/>
+            </a:effectRef>
+            <a:fontRef idx="minor">
+              <a:schemeClr val="lt1"/>
+            </a:fontRef>
+          </p:style>
+          <p:txBody>
+            <a:bodyPr rot="0" spcFirstLastPara="0" vertOverflow="overflow" horzOverflow="overflow" vert="horz" wrap="square" lIns="182880" tIns="146304" rIns="182880" bIns="146304" numCol="1" spcCol="0" rtlCol="0" fromWordArt="0" anchor="t" anchorCtr="0" forceAA="0" compatLnSpc="1">
+              <a:prstTxWarp prst="textNoShape">
+                <a:avLst/>
+              </a:prstTxWarp>
+              <a:noAutofit/>
+            </a:bodyPr>
+            <a:lstStyle/>
+            <a:p>
+              <a:pPr algn="ctr" defTabSz="932472" fontAlgn="base">
+                <a:lnSpc>
+                  <a:spcPct val="90000"/>
+                </a:lnSpc>
+                <a:spcBef>
+                  <a:spcPct val="0"/>
+                </a:spcBef>
+                <a:spcAft>
+                  <a:spcPct val="0"/>
+                </a:spcAft>
+              </a:pPr>
+              <a:endParaRPr lang="en-US" sz="2400" dirty="0">
+                <a:gradFill>
+                  <a:gsLst>
+                    <a:gs pos="0">
+                      <a:srgbClr val="FFFFFF"/>
+                    </a:gs>
+                    <a:gs pos="100000">
+                      <a:srgbClr val="FFFFFF"/>
+                    </a:gs>
+                  </a:gsLst>
+                  <a:lin ang="5400000" scaled="0"/>
+                </a:gradFill>
+                <a:ea typeface="Segoe UI" pitchFamily="34" charset="0"/>
+                <a:cs typeface="Segoe UI" pitchFamily="34" charset="0"/>
+              </a:endParaRPr>
+            </a:p>
+          </p:txBody>
+        </p:sp>
+        <p:sp>
+          <p:nvSpPr>
+            <p:cNvPr id="14" name="Oval 13" descr="Background" title="Background">
+              <a:extLst>
+                <a:ext uri="{FF2B5EF4-FFF2-40B4-BE49-F238E27FC236}">
+                  <a16:creationId xmlns:a16="http://schemas.microsoft.com/office/drawing/2014/main" id="{FF10AFD0-EE5A-48A7-8A88-113CAE632FA7}"/>
+                </a:ext>
+              </a:extLst>
+            </p:cNvPr>
+            <p:cNvSpPr/>
+            <p:nvPr/>
+          </p:nvSpPr>
+          <p:spPr bwMode="auto">
+            <a:xfrm>
+              <a:off x="9970686" y="4830540"/>
+              <a:ext cx="1737360" cy="1737360"/>
+            </a:xfrm>
+            <a:prstGeom prst="ellipse">
+              <a:avLst/>
+            </a:prstGeom>
+            <a:solidFill>
+              <a:srgbClr val="FFC000"/>
+            </a:solidFill>
+            <a:ln>
+              <a:noFill/>
+              <a:headEnd type="none" w="med" len="med"/>
+              <a:tailEnd type="none" w="med" len="med"/>
+            </a:ln>
+            <a:effectLst/>
+          </p:spPr>
+          <p:style>
+            <a:lnRef idx="1">
+              <a:schemeClr val="accent2"/>
+            </a:lnRef>
+            <a:fillRef idx="3">
+              <a:schemeClr val="accent2"/>
+            </a:fillRef>
+            <a:effectRef idx="2">
+              <a:schemeClr val="accent2"/>
+            </a:effectRef>
+            <a:fontRef idx="minor">
+              <a:schemeClr val="lt1"/>
+            </a:fontRef>
+          </p:style>
+          <p:txBody>
+            <a:bodyPr rot="0" spcFirstLastPara="0" vertOverflow="overflow" horzOverflow="overflow" vert="horz" wrap="square" lIns="182880" tIns="146304" rIns="182880" bIns="146304" numCol="1" spcCol="0" rtlCol="0" fromWordArt="0" anchor="t" anchorCtr="0" forceAA="0" compatLnSpc="1">
+              <a:prstTxWarp prst="textNoShape">
+                <a:avLst/>
+              </a:prstTxWarp>
+              <a:noAutofit/>
+            </a:bodyPr>
+            <a:lstStyle/>
+            <a:p>
+              <a:pPr algn="ctr" defTabSz="932472" fontAlgn="base">
+                <a:lnSpc>
+                  <a:spcPct val="90000"/>
+                </a:lnSpc>
+                <a:spcBef>
+                  <a:spcPct val="0"/>
+                </a:spcBef>
+                <a:spcAft>
+                  <a:spcPct val="0"/>
+                </a:spcAft>
+              </a:pPr>
+              <a:endParaRPr lang="en-US" sz="2400" dirty="0">
+                <a:gradFill>
+                  <a:gsLst>
+                    <a:gs pos="0">
+                      <a:srgbClr val="FFFFFF"/>
+                    </a:gs>
+                    <a:gs pos="100000">
+                      <a:srgbClr val="FFFFFF"/>
+                    </a:gs>
+                  </a:gsLst>
+                  <a:lin ang="5400000" scaled="0"/>
+                </a:gradFill>
+                <a:ea typeface="Segoe UI" pitchFamily="34" charset="0"/>
+                <a:cs typeface="Segoe UI" pitchFamily="34" charset="0"/>
+              </a:endParaRPr>
+            </a:p>
+          </p:txBody>
+        </p:sp>
+        <p:pic>
+          <p:nvPicPr>
+            <p:cNvPr id="5" name="Graphic 4" descr="Azure Functions icon" title="Azure Functions">
+              <a:extLst>
+                <a:ext uri="{FF2B5EF4-FFF2-40B4-BE49-F238E27FC236}">
+                  <a16:creationId xmlns:a16="http://schemas.microsoft.com/office/drawing/2014/main" id="{1519041A-4858-4677-825C-95D9AC91272B}"/>
+                </a:ext>
+              </a:extLst>
+            </p:cNvPr>
+            <p:cNvPicPr>
+              <a:picLocks noChangeAspect="1"/>
+            </p:cNvPicPr>
+            <p:nvPr/>
+          </p:nvPicPr>
+          <p:blipFill>
+            <a:blip r:embed="rId4">
+              <a:extLst>
+                <a:ext uri="{28A0092B-C50C-407E-A947-70E740481C1C}">
+                  <a14:useLocalDpi xmlns:a14="http://schemas.microsoft.com/office/drawing/2010/main" val="0"/>
+                </a:ext>
+                <a:ext uri="{96DAC541-7B7A-43D3-8B79-37D633B846F1}">
+                  <asvg:svgBlip xmlns:asvg="http://schemas.microsoft.com/office/drawing/2016/SVG/main" r:embed="rId5"/>
+                </a:ext>
+              </a:extLst>
+            </a:blip>
+            <a:stretch>
+              <a:fillRect/>
+            </a:stretch>
+          </p:blipFill>
+          <p:spPr>
+            <a:xfrm>
+              <a:off x="10199286" y="5059140"/>
+              <a:ext cx="1280160" cy="1280160"/>
+            </a:xfrm>
+            <a:prstGeom prst="rect">
+              <a:avLst/>
+            </a:prstGeom>
+          </p:spPr>
+        </p:pic>
+        <p:pic>
+          <p:nvPicPr>
+            <p:cNvPr id="7" name="Graphic 6" descr="Service Fabric icon" title="Service Fabric">
+              <a:extLst>
+                <a:ext uri="{FF2B5EF4-FFF2-40B4-BE49-F238E27FC236}">
+                  <a16:creationId xmlns:a16="http://schemas.microsoft.com/office/drawing/2014/main" id="{90C4A24F-A94F-4D30-8189-B1746DA47C4C}"/>
+                </a:ext>
+              </a:extLst>
+            </p:cNvPr>
+            <p:cNvPicPr>
+              <a:picLocks noChangeAspect="1"/>
+            </p:cNvPicPr>
+            <p:nvPr/>
+          </p:nvPicPr>
+          <p:blipFill>
+            <a:blip r:embed="rId6">
+              <a:extLst>
+                <a:ext uri="{28A0092B-C50C-407E-A947-70E740481C1C}">
+                  <a14:useLocalDpi xmlns:a14="http://schemas.microsoft.com/office/drawing/2010/main" val="0"/>
+                </a:ext>
+                <a:ext uri="{96DAC541-7B7A-43D3-8B79-37D633B846F1}">
+                  <asvg:svgBlip xmlns:asvg="http://schemas.microsoft.com/office/drawing/2016/SVG/main" r:embed="rId7"/>
+                </a:ext>
+              </a:extLst>
+            </a:blip>
+            <a:stretch>
+              <a:fillRect/>
+            </a:stretch>
+          </p:blipFill>
+          <p:spPr>
+            <a:xfrm>
+              <a:off x="9985578" y="3070102"/>
+              <a:ext cx="1722468" cy="2468880"/>
+            </a:xfrm>
+            <a:prstGeom prst="rect">
+              <a:avLst/>
+            </a:prstGeom>
+          </p:spPr>
+        </p:pic>
+      </p:grpSp>
+    </p:spTree>
+    <p:extLst>
+      <p:ext uri="{BB962C8B-B14F-4D97-AF65-F5344CB8AC3E}">
+        <p14:creationId xmlns:p14="http://schemas.microsoft.com/office/powerpoint/2010/main" val="1211887002"/>
+      </p:ext>
+    </p:extLst>
+  </p:cSld>
+  <p:clrMapOvr>
+    <a:masterClrMapping/>
+  </p:clrMapOvr>
+  <mc:AlternateContent xmlns:mc="http://schemas.openxmlformats.org/markup-compatibility/2006" xmlns:p14="http://schemas.microsoft.com/office/powerpoint/2010/main">
+    <mc:Choice Requires="p14">
+      <p:transition spd="med" p14:dur="700">
+        <p:fade/>
+      </p:transition>
+    </mc:Choice>
+    <mc:Fallback xmlns="">
+      <p:transition spd="med">
+        <p:fade/>
+      </p:transition>
+    </mc:Fallback>
+  </mc:AlternateContent>
+</p:sld>
+</file>
+
+<file path=ppt/slides/slide25.xml><?xml version="1.0" encoding="utf-8"?>
+<p:sld xmlns:a="http://schemas.openxmlformats.org/drawingml/2006/main" xmlns:r="http://schemas.openxmlformats.org/officeDocument/2006/relationships" xmlns:p="http://schemas.openxmlformats.org/presentationml/2006/main">
+  <p:cSld>
+    <p:spTree>
+      <p:nvGrpSpPr>
+        <p:cNvPr id="1" name=""/>
+        <p:cNvGrpSpPr/>
+        <p:nvPr/>
+      </p:nvGrpSpPr>
+      <p:grpSpPr>
+        <a:xfrm>
+          <a:off x="0" y="0"/>
+          <a:ext cx="0" cy="0"/>
+          <a:chOff x="0" y="0"/>
+          <a:chExt cx="0" cy="0"/>
+        </a:xfrm>
+      </p:grpSpPr>
+      <p:sp>
+        <p:nvSpPr>
+          <p:cNvPr id="2" name="Title 1"/>
+          <p:cNvSpPr>
+            <a:spLocks noGrp="1"/>
+          </p:cNvSpPr>
+          <p:nvPr>
+            <p:ph type="title"/>
+          </p:nvPr>
+        </p:nvSpPr>
+        <p:spPr/>
+        <p:txBody>
+          <a:bodyPr>
+            <a:normAutofit fontScale="90000"/>
+          </a:bodyPr>
+          <a:lstStyle/>
+          <a:p>
+            <a:r>
+              <a:rPr lang="en-US" sz="4900" dirty="0">
+                <a:solidFill>
+                  <a:schemeClr val="tx1"/>
+                </a:solidFill>
+                <a:cs typeface="Segoe UI" panose="020B0502040204020203" pitchFamily="34" charset="0"/>
+              </a:rPr>
+              <a:t>Preferred objections handling</a:t>
+            </a:r>
+            <a:br>
+              <a:rPr lang="en-US" dirty="0">
+                <a:solidFill>
+                  <a:schemeClr val="tx1"/>
+                </a:solidFill>
+                <a:latin typeface="Segoe UI" panose="020B0502040204020203" pitchFamily="34" charset="0"/>
+              </a:rPr>
+            </a:br>
+            <a:endParaRPr lang="en-US" sz="3236" dirty="0">
+              <a:solidFill>
+                <a:schemeClr val="tx1"/>
+              </a:solidFill>
+              <a:latin typeface="Segoe UI" panose="020B0502040204020203" pitchFamily="34" charset="0"/>
+            </a:endParaRPr>
+          </a:p>
+        </p:txBody>
+      </p:sp>
+      <p:sp>
+        <p:nvSpPr>
+          <p:cNvPr id="3" name="Content Placeholder 2"/>
+          <p:cNvSpPr>
+            <a:spLocks noGrp="1"/>
+          </p:cNvSpPr>
+          <p:nvPr>
+            <p:ph type="body" sz="quarter" idx="10"/>
+          </p:nvPr>
+        </p:nvSpPr>
+        <p:spPr>
+          <a:xfrm>
+            <a:off x="269239" y="1189176"/>
+            <a:ext cx="9484413" cy="5351323"/>
+          </a:xfrm>
+        </p:spPr>
+        <p:txBody>
+          <a:bodyPr>
+            <a:normAutofit/>
+          </a:bodyPr>
+          <a:lstStyle/>
+          <a:p>
+            <a:r>
+              <a:rPr lang="en-US" sz="3600" dirty="0">
+                <a:solidFill>
+                  <a:schemeClr val="tx1"/>
+                </a:solidFill>
+              </a:rPr>
+              <a:t>Can stateful services or actors help us with ticket ordering throughput?</a:t>
+            </a:r>
+          </a:p>
+          <a:p>
+            <a:pPr lvl="1"/>
+            <a:r>
+              <a:rPr lang="en-US" sz="2400" dirty="0">
+                <a:solidFill>
+                  <a:schemeClr val="tx1"/>
+                </a:solidFill>
+              </a:rPr>
+              <a:t>Stateful services are backed by robust and reliable storage. When data (state) is saved by the service, it is not confirmed (committed) unless a quorum is reached. </a:t>
+            </a:r>
+          </a:p>
+          <a:p>
+            <a:pPr lvl="1"/>
+            <a:r>
+              <a:rPr lang="en-US" sz="2400" dirty="0">
+                <a:solidFill>
+                  <a:schemeClr val="tx1"/>
+                </a:solidFill>
+              </a:rPr>
+              <a:t>By using the stateful actor, not only is the persistence of the actual ticket order handled by the Service Fabric at scale, but the actor can be wholly responsible for the workflow required to complete the order</a:t>
+            </a:r>
+          </a:p>
+          <a:p>
+            <a:pPr lvl="1"/>
+            <a:r>
+              <a:rPr lang="en-US" sz="2400" dirty="0">
+                <a:solidFill>
+                  <a:schemeClr val="tx1"/>
+                </a:solidFill>
+              </a:rPr>
+              <a:t>When updates to this actor are required, the existing state is preserved, any active instances can continue completing their work, and the new actor functionality or state requirements can be rolled out safely across the nodes in the cluster, eventually retiring the previous version</a:t>
+            </a:r>
+          </a:p>
+          <a:p>
+            <a:pPr lvl="1"/>
+            <a:endParaRPr lang="en-US" sz="2032" dirty="0">
+              <a:solidFill>
+                <a:schemeClr val="tx1"/>
+              </a:solidFill>
+            </a:endParaRPr>
+          </a:p>
+          <a:p>
+            <a:pPr marL="0" indent="0">
+              <a:buNone/>
+            </a:pPr>
+            <a:endParaRPr lang="en-US" sz="3600" dirty="0">
+              <a:solidFill>
+                <a:schemeClr val="tx1"/>
+              </a:solidFill>
+            </a:endParaRPr>
+          </a:p>
+        </p:txBody>
+      </p:sp>
+      <p:grpSp>
+        <p:nvGrpSpPr>
+          <p:cNvPr id="4" name="Group 3" descr="Icons representing bulleted questions." title="Icons">
+            <a:extLst>
+              <a:ext uri="{FF2B5EF4-FFF2-40B4-BE49-F238E27FC236}">
+                <a16:creationId xmlns:a16="http://schemas.microsoft.com/office/drawing/2014/main" id="{C78B7208-B6D0-41AE-83E9-2D82F77F54BB}"/>
+              </a:ext>
+            </a:extLst>
+          </p:cNvPr>
+          <p:cNvGrpSpPr/>
+          <p:nvPr/>
+        </p:nvGrpSpPr>
+        <p:grpSpPr>
+          <a:xfrm>
+            <a:off x="9753652" y="791480"/>
+            <a:ext cx="2171428" cy="5776420"/>
+            <a:chOff x="9753652" y="791480"/>
+            <a:chExt cx="2171428" cy="5776420"/>
+          </a:xfrm>
+        </p:grpSpPr>
+        <p:pic>
+          <p:nvPicPr>
+            <p:cNvPr id="11" name="Picture 10" descr="Customer objections">
+              <a:extLst>
+                <a:ext uri="{FF2B5EF4-FFF2-40B4-BE49-F238E27FC236}">
+                  <a16:creationId xmlns:a16="http://schemas.microsoft.com/office/drawing/2014/main" id="{43752440-B4BA-488D-BC2F-64A9BAB696FE}"/>
+                </a:ext>
+              </a:extLst>
+            </p:cNvPr>
+            <p:cNvPicPr>
+              <a:picLocks noChangeAspect="1"/>
+            </p:cNvPicPr>
+            <p:nvPr/>
+          </p:nvPicPr>
+          <p:blipFill>
+            <a:blip r:embed="rId3"/>
+            <a:stretch>
+              <a:fillRect/>
+            </a:stretch>
+          </p:blipFill>
+          <p:spPr>
+            <a:xfrm>
+              <a:off x="9753652" y="791480"/>
+              <a:ext cx="2171428" cy="2171428"/>
+            </a:xfrm>
+            <a:prstGeom prst="rect">
+              <a:avLst/>
+            </a:prstGeom>
+          </p:spPr>
+        </p:pic>
+        <p:sp>
+          <p:nvSpPr>
+            <p:cNvPr id="12" name="Oval 11" descr="Background" title="Background">
+              <a:extLst>
+                <a:ext uri="{FF2B5EF4-FFF2-40B4-BE49-F238E27FC236}">
+                  <a16:creationId xmlns:a16="http://schemas.microsoft.com/office/drawing/2014/main" id="{B36F925C-1E8A-4471-AD6F-2BC20ECE0093}"/>
+                </a:ext>
+              </a:extLst>
+            </p:cNvPr>
+            <p:cNvSpPr/>
+            <p:nvPr/>
+          </p:nvSpPr>
+          <p:spPr bwMode="auto">
+            <a:xfrm>
+              <a:off x="9970686" y="2903407"/>
+              <a:ext cx="1737360" cy="1737360"/>
+            </a:xfrm>
+            <a:prstGeom prst="ellipse">
+              <a:avLst/>
+            </a:prstGeom>
+            <a:solidFill>
+              <a:srgbClr val="FFC000"/>
+            </a:solidFill>
+            <a:ln>
+              <a:noFill/>
+              <a:headEnd type="none" w="med" len="med"/>
+              <a:tailEnd type="none" w="med" len="med"/>
+            </a:ln>
+            <a:effectLst/>
+          </p:spPr>
+          <p:style>
+            <a:lnRef idx="1">
+              <a:schemeClr val="accent2"/>
+            </a:lnRef>
+            <a:fillRef idx="3">
+              <a:schemeClr val="accent2"/>
+            </a:fillRef>
+            <a:effectRef idx="2">
+              <a:schemeClr val="accent2"/>
+            </a:effectRef>
+            <a:fontRef idx="minor">
+              <a:schemeClr val="lt1"/>
+            </a:fontRef>
+          </p:style>
+          <p:txBody>
+            <a:bodyPr rot="0" spcFirstLastPara="0" vertOverflow="overflow" horzOverflow="overflow" vert="horz" wrap="square" lIns="182880" tIns="146304" rIns="182880" bIns="146304" numCol="1" spcCol="0" rtlCol="0" fromWordArt="0" anchor="t" anchorCtr="0" forceAA="0" compatLnSpc="1">
+              <a:prstTxWarp prst="textNoShape">
+                <a:avLst/>
+              </a:prstTxWarp>
+              <a:noAutofit/>
+            </a:bodyPr>
+            <a:lstStyle/>
+            <a:p>
+              <a:pPr algn="ctr" defTabSz="932472" fontAlgn="base">
+                <a:lnSpc>
+                  <a:spcPct val="90000"/>
+                </a:lnSpc>
+                <a:spcBef>
+                  <a:spcPct val="0"/>
+                </a:spcBef>
+                <a:spcAft>
+                  <a:spcPct val="0"/>
+                </a:spcAft>
+              </a:pPr>
+              <a:endParaRPr lang="en-US" sz="2400" dirty="0">
+                <a:gradFill>
+                  <a:gsLst>
+                    <a:gs pos="0">
+                      <a:srgbClr val="FFFFFF"/>
+                    </a:gs>
+                    <a:gs pos="100000">
+                      <a:srgbClr val="FFFFFF"/>
+                    </a:gs>
+                  </a:gsLst>
+                  <a:lin ang="5400000" scaled="0"/>
+                </a:gradFill>
+                <a:ea typeface="Segoe UI" pitchFamily="34" charset="0"/>
+                <a:cs typeface="Segoe UI" pitchFamily="34" charset="0"/>
+              </a:endParaRPr>
+            </a:p>
+          </p:txBody>
+        </p:sp>
+        <p:sp>
+          <p:nvSpPr>
+            <p:cNvPr id="14" name="Oval 13" descr="Background" title="Background">
+              <a:extLst>
+                <a:ext uri="{FF2B5EF4-FFF2-40B4-BE49-F238E27FC236}">
+                  <a16:creationId xmlns:a16="http://schemas.microsoft.com/office/drawing/2014/main" id="{FF10AFD0-EE5A-48A7-8A88-113CAE632FA7}"/>
+                </a:ext>
+              </a:extLst>
+            </p:cNvPr>
+            <p:cNvSpPr/>
+            <p:nvPr/>
+          </p:nvSpPr>
+          <p:spPr bwMode="auto">
+            <a:xfrm>
+              <a:off x="9970686" y="4830540"/>
+              <a:ext cx="1737360" cy="1737360"/>
+            </a:xfrm>
+            <a:prstGeom prst="ellipse">
+              <a:avLst/>
+            </a:prstGeom>
+            <a:solidFill>
+              <a:srgbClr val="FFC000"/>
+            </a:solidFill>
+            <a:ln>
+              <a:noFill/>
+              <a:headEnd type="none" w="med" len="med"/>
+              <a:tailEnd type="none" w="med" len="med"/>
+            </a:ln>
+            <a:effectLst/>
+          </p:spPr>
+          <p:style>
+            <a:lnRef idx="1">
+              <a:schemeClr val="accent2"/>
+            </a:lnRef>
+            <a:fillRef idx="3">
+              <a:schemeClr val="accent2"/>
+            </a:fillRef>
+            <a:effectRef idx="2">
+              <a:schemeClr val="accent2"/>
+            </a:effectRef>
+            <a:fontRef idx="minor">
+              <a:schemeClr val="lt1"/>
+            </a:fontRef>
+          </p:style>
+          <p:txBody>
+            <a:bodyPr rot="0" spcFirstLastPara="0" vertOverflow="overflow" horzOverflow="overflow" vert="horz" wrap="square" lIns="182880" tIns="146304" rIns="182880" bIns="146304" numCol="1" spcCol="0" rtlCol="0" fromWordArt="0" anchor="t" anchorCtr="0" forceAA="0" compatLnSpc="1">
+              <a:prstTxWarp prst="textNoShape">
+                <a:avLst/>
+              </a:prstTxWarp>
+              <a:noAutofit/>
+            </a:bodyPr>
+            <a:lstStyle/>
+            <a:p>
+              <a:pPr algn="ctr" defTabSz="932472" fontAlgn="base">
+                <a:lnSpc>
+                  <a:spcPct val="90000"/>
+                </a:lnSpc>
+                <a:spcBef>
+                  <a:spcPct val="0"/>
+                </a:spcBef>
+                <a:spcAft>
+                  <a:spcPct val="0"/>
+                </a:spcAft>
+              </a:pPr>
+              <a:endParaRPr lang="en-US" sz="2400" dirty="0">
+                <a:gradFill>
+                  <a:gsLst>
+                    <a:gs pos="0">
+                      <a:srgbClr val="FFFFFF"/>
+                    </a:gs>
+                    <a:gs pos="100000">
+                      <a:srgbClr val="FFFFFF"/>
+                    </a:gs>
+                  </a:gsLst>
+                  <a:lin ang="5400000" scaled="0"/>
+                </a:gradFill>
+                <a:ea typeface="Segoe UI" pitchFamily="34" charset="0"/>
+                <a:cs typeface="Segoe UI" pitchFamily="34" charset="0"/>
+              </a:endParaRPr>
+            </a:p>
+          </p:txBody>
+        </p:sp>
+        <p:pic>
+          <p:nvPicPr>
+            <p:cNvPr id="5" name="Graphic 4" descr="Azure Functions icon" title="Azure Functions">
+              <a:extLst>
+                <a:ext uri="{FF2B5EF4-FFF2-40B4-BE49-F238E27FC236}">
+                  <a16:creationId xmlns:a16="http://schemas.microsoft.com/office/drawing/2014/main" id="{1519041A-4858-4677-825C-95D9AC91272B}"/>
+                </a:ext>
+              </a:extLst>
+            </p:cNvPr>
+            <p:cNvPicPr>
+              <a:picLocks noChangeAspect="1"/>
+            </p:cNvPicPr>
+            <p:nvPr/>
+          </p:nvPicPr>
+          <p:blipFill>
+            <a:blip r:embed="rId4">
+              <a:extLst>
+                <a:ext uri="{28A0092B-C50C-407E-A947-70E740481C1C}">
+                  <a14:useLocalDpi xmlns:a14="http://schemas.microsoft.com/office/drawing/2010/main" val="0"/>
+                </a:ext>
+                <a:ext uri="{96DAC541-7B7A-43D3-8B79-37D633B846F1}">
+                  <asvg:svgBlip xmlns:asvg="http://schemas.microsoft.com/office/drawing/2016/SVG/main" r:embed="rId5"/>
+                </a:ext>
+              </a:extLst>
+            </a:blip>
+            <a:stretch>
+              <a:fillRect/>
+            </a:stretch>
+          </p:blipFill>
+          <p:spPr>
+            <a:xfrm>
+              <a:off x="10199286" y="5059140"/>
+              <a:ext cx="1280160" cy="1280160"/>
+            </a:xfrm>
+            <a:prstGeom prst="rect">
+              <a:avLst/>
+            </a:prstGeom>
+          </p:spPr>
+        </p:pic>
+        <p:pic>
+          <p:nvPicPr>
+            <p:cNvPr id="7" name="Graphic 6" descr="Service Fabric icon" title="Service Fabric">
+              <a:extLst>
+                <a:ext uri="{FF2B5EF4-FFF2-40B4-BE49-F238E27FC236}">
+                  <a16:creationId xmlns:a16="http://schemas.microsoft.com/office/drawing/2014/main" id="{90C4A24F-A94F-4D30-8189-B1746DA47C4C}"/>
+                </a:ext>
+              </a:extLst>
+            </p:cNvPr>
+            <p:cNvPicPr>
+              <a:picLocks noChangeAspect="1"/>
+            </p:cNvPicPr>
+            <p:nvPr/>
+          </p:nvPicPr>
+          <p:blipFill>
+            <a:blip r:embed="rId6">
+              <a:extLst>
+                <a:ext uri="{28A0092B-C50C-407E-A947-70E740481C1C}">
+                  <a14:useLocalDpi xmlns:a14="http://schemas.microsoft.com/office/drawing/2010/main" val="0"/>
+                </a:ext>
+                <a:ext uri="{96DAC541-7B7A-43D3-8B79-37D633B846F1}">
+                  <asvg:svgBlip xmlns:asvg="http://schemas.microsoft.com/office/drawing/2016/SVG/main" r:embed="rId7"/>
+                </a:ext>
+              </a:extLst>
+            </a:blip>
+            <a:stretch>
+              <a:fillRect/>
+            </a:stretch>
+          </p:blipFill>
+          <p:spPr>
+            <a:xfrm>
+              <a:off x="9985578" y="3070102"/>
+              <a:ext cx="1722468" cy="2468880"/>
+            </a:xfrm>
+            <a:prstGeom prst="rect">
+              <a:avLst/>
+            </a:prstGeom>
+          </p:spPr>
+        </p:pic>
+      </p:grpSp>
+    </p:spTree>
+    <p:extLst>
+      <p:ext uri="{BB962C8B-B14F-4D97-AF65-F5344CB8AC3E}">
+        <p14:creationId xmlns:p14="http://schemas.microsoft.com/office/powerpoint/2010/main" val="3494523527"/>
+      </p:ext>
+    </p:extLst>
+  </p:cSld>
+  <p:clrMapOvr>
+    <a:masterClrMapping/>
+  </p:clrMapOvr>
+  <mc:AlternateContent xmlns:mc="http://schemas.openxmlformats.org/markup-compatibility/2006" xmlns:p14="http://schemas.microsoft.com/office/powerpoint/2010/main">
+    <mc:Choice Requires="p14">
+      <p:transition spd="med" p14:dur="700">
+        <p:fade/>
+      </p:transition>
+    </mc:Choice>
+    <mc:Fallback xmlns="">
+      <p:transition spd="med">
+        <p:fade/>
+      </p:transition>
+    </mc:Fallback>
+  </mc:AlternateContent>
+</p:sld>
+</file>
+
+<file path=ppt/slides/slide26.xml><?xml version="1.0" encoding="utf-8"?>
+<p:sld xmlns:a="http://schemas.openxmlformats.org/drawingml/2006/main" xmlns:r="http://schemas.openxmlformats.org/officeDocument/2006/relationships" xmlns:p="http://schemas.openxmlformats.org/presentationml/2006/main">
+  <p:cSld>
+    <p:spTree>
+      <p:nvGrpSpPr>
+        <p:cNvPr id="1" name=""/>
+        <p:cNvGrpSpPr/>
+        <p:nvPr/>
+      </p:nvGrpSpPr>
+      <p:grpSpPr>
+        <a:xfrm>
+          <a:off x="0" y="0"/>
+          <a:ext cx="0" cy="0"/>
+          <a:chOff x="0" y="0"/>
+          <a:chExt cx="0" cy="0"/>
+        </a:xfrm>
+      </p:grpSpPr>
+      <p:sp>
+        <p:nvSpPr>
+          <p:cNvPr id="2" name="Title 1"/>
+          <p:cNvSpPr>
+            <a:spLocks noGrp="1"/>
+          </p:cNvSpPr>
+          <p:nvPr>
+            <p:ph type="title"/>
+          </p:nvPr>
+        </p:nvSpPr>
+        <p:spPr/>
+        <p:txBody>
+          <a:bodyPr>
+            <a:normAutofit fontScale="90000"/>
+          </a:bodyPr>
+          <a:lstStyle/>
+          <a:p>
+            <a:r>
+              <a:rPr lang="en-US" sz="4900" dirty="0">
+                <a:solidFill>
+                  <a:schemeClr val="tx1"/>
+                </a:solidFill>
+                <a:cs typeface="Segoe UI" panose="020B0502040204020203" pitchFamily="34" charset="0"/>
+              </a:rPr>
+              <a:t>Preferred objections handling</a:t>
+            </a:r>
+            <a:br>
+              <a:rPr lang="en-US" dirty="0">
+                <a:solidFill>
+                  <a:schemeClr val="tx1"/>
+                </a:solidFill>
+                <a:latin typeface="Segoe UI" panose="020B0502040204020203" pitchFamily="34" charset="0"/>
+              </a:rPr>
+            </a:br>
+            <a:endParaRPr lang="en-US" sz="3236" dirty="0">
+              <a:solidFill>
+                <a:schemeClr val="tx1"/>
+              </a:solidFill>
+              <a:latin typeface="Segoe UI" panose="020B0502040204020203" pitchFamily="34" charset="0"/>
+            </a:endParaRPr>
+          </a:p>
+        </p:txBody>
+      </p:sp>
+      <p:sp>
+        <p:nvSpPr>
+          <p:cNvPr id="3" name="Content Placeholder 2"/>
+          <p:cNvSpPr>
+            <a:spLocks noGrp="1"/>
+          </p:cNvSpPr>
+          <p:nvPr>
+            <p:ph type="body" sz="quarter" idx="10"/>
+          </p:nvPr>
+        </p:nvSpPr>
+        <p:spPr>
+          <a:xfrm>
+            <a:off x="269239" y="1189176"/>
+            <a:ext cx="9484413" cy="5351323"/>
+          </a:xfrm>
+        </p:spPr>
+        <p:txBody>
+          <a:bodyPr>
+            <a:normAutofit/>
+          </a:bodyPr>
+          <a:lstStyle/>
+          <a:p>
+            <a:r>
+              <a:rPr lang="en-US" sz="3600" dirty="0">
+                <a:solidFill>
+                  <a:schemeClr val="tx1"/>
+                </a:solidFill>
+              </a:rPr>
+              <a:t>How and where can stateful services and actors help us?</a:t>
+            </a:r>
+          </a:p>
+          <a:p>
+            <a:pPr marL="407996" lvl="1" indent="-171450"/>
+            <a:r>
+              <a:rPr lang="en-US" sz="2800" dirty="0"/>
+              <a:t>Stateful services make it easy to save and retrieve state, and distribute that state for higher availability by using a partitioning strategy. Each partition has its own replica set for reliability.</a:t>
+            </a:r>
+          </a:p>
+          <a:p>
+            <a:pPr marL="407996" lvl="1" indent="-171450"/>
+            <a:r>
+              <a:rPr lang="en-US" sz="2800" dirty="0"/>
+              <a:t>You can replicate this state to an external store like Cosmos DB to support ad-hoc querying, analytics and disaster recovery</a:t>
+            </a:r>
+          </a:p>
+          <a:p>
+            <a:pPr lvl="1"/>
+            <a:endParaRPr lang="en-US" sz="2032" dirty="0">
+              <a:solidFill>
+                <a:schemeClr val="tx1"/>
+              </a:solidFill>
+            </a:endParaRPr>
+          </a:p>
+          <a:p>
+            <a:pPr marL="0" indent="0">
+              <a:buNone/>
+            </a:pPr>
+            <a:endParaRPr lang="en-US" sz="3600" dirty="0">
+              <a:solidFill>
+                <a:schemeClr val="tx1"/>
+              </a:solidFill>
+            </a:endParaRPr>
+          </a:p>
+        </p:txBody>
+      </p:sp>
+      <p:grpSp>
+        <p:nvGrpSpPr>
+          <p:cNvPr id="4" name="Group 3" descr="Icons representing bulleted questions." title="Icons">
+            <a:extLst>
+              <a:ext uri="{FF2B5EF4-FFF2-40B4-BE49-F238E27FC236}">
+                <a16:creationId xmlns:a16="http://schemas.microsoft.com/office/drawing/2014/main" id="{C78B7208-B6D0-41AE-83E9-2D82F77F54BB}"/>
+              </a:ext>
+            </a:extLst>
+          </p:cNvPr>
+          <p:cNvGrpSpPr/>
+          <p:nvPr/>
+        </p:nvGrpSpPr>
+        <p:grpSpPr>
+          <a:xfrm>
+            <a:off x="9753652" y="791480"/>
+            <a:ext cx="2171428" cy="5776420"/>
+            <a:chOff x="9753652" y="791480"/>
+            <a:chExt cx="2171428" cy="5776420"/>
+          </a:xfrm>
+        </p:grpSpPr>
+        <p:pic>
+          <p:nvPicPr>
+            <p:cNvPr id="11" name="Picture 10" descr="Customer objections">
+              <a:extLst>
+                <a:ext uri="{FF2B5EF4-FFF2-40B4-BE49-F238E27FC236}">
+                  <a16:creationId xmlns:a16="http://schemas.microsoft.com/office/drawing/2014/main" id="{43752440-B4BA-488D-BC2F-64A9BAB696FE}"/>
+                </a:ext>
+              </a:extLst>
+            </p:cNvPr>
+            <p:cNvPicPr>
+              <a:picLocks noChangeAspect="1"/>
+            </p:cNvPicPr>
+            <p:nvPr/>
+          </p:nvPicPr>
+          <p:blipFill>
+            <a:blip r:embed="rId3"/>
+            <a:stretch>
+              <a:fillRect/>
+            </a:stretch>
+          </p:blipFill>
+          <p:spPr>
+            <a:xfrm>
+              <a:off x="9753652" y="791480"/>
+              <a:ext cx="2171428" cy="2171428"/>
+            </a:xfrm>
+            <a:prstGeom prst="rect">
+              <a:avLst/>
+            </a:prstGeom>
+          </p:spPr>
+        </p:pic>
+        <p:sp>
+          <p:nvSpPr>
+            <p:cNvPr id="12" name="Oval 11" descr="Background" title="Background">
+              <a:extLst>
+                <a:ext uri="{FF2B5EF4-FFF2-40B4-BE49-F238E27FC236}">
+                  <a16:creationId xmlns:a16="http://schemas.microsoft.com/office/drawing/2014/main" id="{B36F925C-1E8A-4471-AD6F-2BC20ECE0093}"/>
+                </a:ext>
+              </a:extLst>
+            </p:cNvPr>
+            <p:cNvSpPr/>
+            <p:nvPr/>
+          </p:nvSpPr>
+          <p:spPr bwMode="auto">
+            <a:xfrm>
+              <a:off x="9970686" y="2903407"/>
+              <a:ext cx="1737360" cy="1737360"/>
+            </a:xfrm>
+            <a:prstGeom prst="ellipse">
+              <a:avLst/>
+            </a:prstGeom>
+            <a:solidFill>
+              <a:srgbClr val="FFC000"/>
+            </a:solidFill>
+            <a:ln>
+              <a:noFill/>
+              <a:headEnd type="none" w="med" len="med"/>
+              <a:tailEnd type="none" w="med" len="med"/>
+            </a:ln>
+            <a:effectLst/>
+          </p:spPr>
+          <p:style>
+            <a:lnRef idx="1">
+              <a:schemeClr val="accent2"/>
+            </a:lnRef>
+            <a:fillRef idx="3">
+              <a:schemeClr val="accent2"/>
+            </a:fillRef>
+            <a:effectRef idx="2">
+              <a:schemeClr val="accent2"/>
+            </a:effectRef>
+            <a:fontRef idx="minor">
+              <a:schemeClr val="lt1"/>
+            </a:fontRef>
+          </p:style>
+          <p:txBody>
+            <a:bodyPr rot="0" spcFirstLastPara="0" vertOverflow="overflow" horzOverflow="overflow" vert="horz" wrap="square" lIns="182880" tIns="146304" rIns="182880" bIns="146304" numCol="1" spcCol="0" rtlCol="0" fromWordArt="0" anchor="t" anchorCtr="0" forceAA="0" compatLnSpc="1">
+              <a:prstTxWarp prst="textNoShape">
+                <a:avLst/>
+              </a:prstTxWarp>
+              <a:noAutofit/>
+            </a:bodyPr>
+            <a:lstStyle/>
+            <a:p>
+              <a:pPr algn="ctr" defTabSz="932472" fontAlgn="base">
+                <a:lnSpc>
+                  <a:spcPct val="90000"/>
+                </a:lnSpc>
+                <a:spcBef>
+                  <a:spcPct val="0"/>
+                </a:spcBef>
+                <a:spcAft>
+                  <a:spcPct val="0"/>
+                </a:spcAft>
+              </a:pPr>
+              <a:endParaRPr lang="en-US" sz="2400" dirty="0">
+                <a:gradFill>
+                  <a:gsLst>
+                    <a:gs pos="0">
+                      <a:srgbClr val="FFFFFF"/>
+                    </a:gs>
+                    <a:gs pos="100000">
+                      <a:srgbClr val="FFFFFF"/>
+                    </a:gs>
+                  </a:gsLst>
+                  <a:lin ang="5400000" scaled="0"/>
+                </a:gradFill>
+                <a:ea typeface="Segoe UI" pitchFamily="34" charset="0"/>
+                <a:cs typeface="Segoe UI" pitchFamily="34" charset="0"/>
+              </a:endParaRPr>
+            </a:p>
+          </p:txBody>
+        </p:sp>
+        <p:sp>
+          <p:nvSpPr>
+            <p:cNvPr id="14" name="Oval 13" descr="Background" title="Background">
+              <a:extLst>
+                <a:ext uri="{FF2B5EF4-FFF2-40B4-BE49-F238E27FC236}">
+                  <a16:creationId xmlns:a16="http://schemas.microsoft.com/office/drawing/2014/main" id="{FF10AFD0-EE5A-48A7-8A88-113CAE632FA7}"/>
+                </a:ext>
+              </a:extLst>
+            </p:cNvPr>
+            <p:cNvSpPr/>
+            <p:nvPr/>
+          </p:nvSpPr>
+          <p:spPr bwMode="auto">
+            <a:xfrm>
+              <a:off x="9970686" y="4830540"/>
+              <a:ext cx="1737360" cy="1737360"/>
+            </a:xfrm>
+            <a:prstGeom prst="ellipse">
+              <a:avLst/>
+            </a:prstGeom>
+            <a:solidFill>
+              <a:srgbClr val="FFC000"/>
+            </a:solidFill>
+            <a:ln>
+              <a:noFill/>
+              <a:headEnd type="none" w="med" len="med"/>
+              <a:tailEnd type="none" w="med" len="med"/>
+            </a:ln>
+            <a:effectLst/>
+          </p:spPr>
+          <p:style>
+            <a:lnRef idx="1">
+              <a:schemeClr val="accent2"/>
+            </a:lnRef>
+            <a:fillRef idx="3">
+              <a:schemeClr val="accent2"/>
+            </a:fillRef>
+            <a:effectRef idx="2">
+              <a:schemeClr val="accent2"/>
+            </a:effectRef>
+            <a:fontRef idx="minor">
+              <a:schemeClr val="lt1"/>
+            </a:fontRef>
+          </p:style>
+          <p:txBody>
+            <a:bodyPr rot="0" spcFirstLastPara="0" vertOverflow="overflow" horzOverflow="overflow" vert="horz" wrap="square" lIns="182880" tIns="146304" rIns="182880" bIns="146304" numCol="1" spcCol="0" rtlCol="0" fromWordArt="0" anchor="t" anchorCtr="0" forceAA="0" compatLnSpc="1">
+              <a:prstTxWarp prst="textNoShape">
+                <a:avLst/>
+              </a:prstTxWarp>
+              <a:noAutofit/>
+            </a:bodyPr>
+            <a:lstStyle/>
+            <a:p>
+              <a:pPr algn="ctr" defTabSz="932472" fontAlgn="base">
+                <a:lnSpc>
+                  <a:spcPct val="90000"/>
+                </a:lnSpc>
+                <a:spcBef>
+                  <a:spcPct val="0"/>
+                </a:spcBef>
+                <a:spcAft>
+                  <a:spcPct val="0"/>
+                </a:spcAft>
+              </a:pPr>
+              <a:endParaRPr lang="en-US" sz="2400" dirty="0">
+                <a:gradFill>
+                  <a:gsLst>
+                    <a:gs pos="0">
+                      <a:srgbClr val="FFFFFF"/>
+                    </a:gs>
+                    <a:gs pos="100000">
+                      <a:srgbClr val="FFFFFF"/>
+                    </a:gs>
+                  </a:gsLst>
+                  <a:lin ang="5400000" scaled="0"/>
+                </a:gradFill>
+                <a:ea typeface="Segoe UI" pitchFamily="34" charset="0"/>
+                <a:cs typeface="Segoe UI" pitchFamily="34" charset="0"/>
+              </a:endParaRPr>
+            </a:p>
+          </p:txBody>
+        </p:sp>
+        <p:pic>
+          <p:nvPicPr>
+            <p:cNvPr id="5" name="Graphic 4" descr="Azure Functions icon" title="Azure Functions">
+              <a:extLst>
+                <a:ext uri="{FF2B5EF4-FFF2-40B4-BE49-F238E27FC236}">
+                  <a16:creationId xmlns:a16="http://schemas.microsoft.com/office/drawing/2014/main" id="{1519041A-4858-4677-825C-95D9AC91272B}"/>
+                </a:ext>
+              </a:extLst>
+            </p:cNvPr>
+            <p:cNvPicPr>
+              <a:picLocks noChangeAspect="1"/>
+            </p:cNvPicPr>
+            <p:nvPr/>
+          </p:nvPicPr>
+          <p:blipFill>
+            <a:blip r:embed="rId4">
+              <a:extLst>
+                <a:ext uri="{28A0092B-C50C-407E-A947-70E740481C1C}">
+                  <a14:useLocalDpi xmlns:a14="http://schemas.microsoft.com/office/drawing/2010/main" val="0"/>
+                </a:ext>
+                <a:ext uri="{96DAC541-7B7A-43D3-8B79-37D633B846F1}">
+                  <asvg:svgBlip xmlns:asvg="http://schemas.microsoft.com/office/drawing/2016/SVG/main" r:embed="rId5"/>
+                </a:ext>
+              </a:extLst>
+            </a:blip>
+            <a:stretch>
+              <a:fillRect/>
+            </a:stretch>
+          </p:blipFill>
+          <p:spPr>
+            <a:xfrm>
+              <a:off x="10199286" y="5059140"/>
+              <a:ext cx="1280160" cy="1280160"/>
+            </a:xfrm>
+            <a:prstGeom prst="rect">
+              <a:avLst/>
+            </a:prstGeom>
+          </p:spPr>
+        </p:pic>
+        <p:pic>
+          <p:nvPicPr>
+            <p:cNvPr id="7" name="Graphic 6" descr="Service Fabric icon" title="Service Fabric">
+              <a:extLst>
+                <a:ext uri="{FF2B5EF4-FFF2-40B4-BE49-F238E27FC236}">
+                  <a16:creationId xmlns:a16="http://schemas.microsoft.com/office/drawing/2014/main" id="{90C4A24F-A94F-4D30-8189-B1746DA47C4C}"/>
+                </a:ext>
+              </a:extLst>
+            </p:cNvPr>
+            <p:cNvPicPr>
+              <a:picLocks noChangeAspect="1"/>
+            </p:cNvPicPr>
+            <p:nvPr/>
+          </p:nvPicPr>
+          <p:blipFill>
+            <a:blip r:embed="rId6">
+              <a:extLst>
+                <a:ext uri="{28A0092B-C50C-407E-A947-70E740481C1C}">
+                  <a14:useLocalDpi xmlns:a14="http://schemas.microsoft.com/office/drawing/2010/main" val="0"/>
+                </a:ext>
+                <a:ext uri="{96DAC541-7B7A-43D3-8B79-37D633B846F1}">
+                  <asvg:svgBlip xmlns:asvg="http://schemas.microsoft.com/office/drawing/2016/SVG/main" r:embed="rId7"/>
+                </a:ext>
+              </a:extLst>
+            </a:blip>
+            <a:stretch>
+              <a:fillRect/>
+            </a:stretch>
+          </p:blipFill>
+          <p:spPr>
+            <a:xfrm>
+              <a:off x="9985578" y="3070102"/>
+              <a:ext cx="1722468" cy="2468880"/>
+            </a:xfrm>
+            <a:prstGeom prst="rect">
+              <a:avLst/>
+            </a:prstGeom>
+          </p:spPr>
+        </p:pic>
+      </p:grpSp>
+    </p:spTree>
+    <p:extLst>
+      <p:ext uri="{BB962C8B-B14F-4D97-AF65-F5344CB8AC3E}">
+        <p14:creationId xmlns:p14="http://schemas.microsoft.com/office/powerpoint/2010/main" val="1364239587"/>
+      </p:ext>
+    </p:extLst>
+  </p:cSld>
+  <p:clrMapOvr>
+    <a:masterClrMapping/>
+  </p:clrMapOvr>
+  <mc:AlternateContent xmlns:mc="http://schemas.openxmlformats.org/markup-compatibility/2006" xmlns:p14="http://schemas.microsoft.com/office/powerpoint/2010/main">
+    <mc:Choice Requires="p14">
+      <p:transition spd="med" p14:dur="700">
+        <p:fade/>
+      </p:transition>
+    </mc:Choice>
+    <mc:Fallback xmlns="">
+      <p:transition spd="med">
+        <p:fade/>
+      </p:transition>
+    </mc:Fallback>
+  </mc:AlternateContent>
+</p:sld>
+</file>
+
+<file path=ppt/slides/slide27.xml><?xml version="1.0" encoding="utf-8"?>
+<p:sld xmlns:a="http://schemas.openxmlformats.org/drawingml/2006/main" xmlns:r="http://schemas.openxmlformats.org/officeDocument/2006/relationships" xmlns:p="http://schemas.openxmlformats.org/presentationml/2006/main">
+  <p:cSld>
+    <p:spTree>
+      <p:nvGrpSpPr>
+        <p:cNvPr id="1" name=""/>
+        <p:cNvGrpSpPr/>
+        <p:nvPr/>
+      </p:nvGrpSpPr>
+      <p:grpSpPr>
+        <a:xfrm>
+          <a:off x="0" y="0"/>
+          <a:ext cx="0" cy="0"/>
+          <a:chOff x="0" y="0"/>
+          <a:chExt cx="0" cy="0"/>
+        </a:xfrm>
+      </p:grpSpPr>
+      <p:sp>
+        <p:nvSpPr>
+          <p:cNvPr id="2" name="Title 1"/>
+          <p:cNvSpPr>
+            <a:spLocks noGrp="1"/>
+          </p:cNvSpPr>
+          <p:nvPr>
+            <p:ph type="title"/>
+          </p:nvPr>
+        </p:nvSpPr>
+        <p:spPr/>
+        <p:txBody>
+          <a:bodyPr>
+            <a:normAutofit fontScale="90000"/>
+          </a:bodyPr>
+          <a:lstStyle/>
+          <a:p>
+            <a:r>
+              <a:rPr lang="en-US" sz="4900" dirty="0">
+                <a:solidFill>
+                  <a:schemeClr val="tx1"/>
+                </a:solidFill>
+                <a:cs typeface="Segoe UI" panose="020B0502040204020203" pitchFamily="34" charset="0"/>
+              </a:rPr>
+              <a:t>Preferred objections handling</a:t>
+            </a:r>
+            <a:br>
+              <a:rPr lang="en-US" dirty="0">
+                <a:solidFill>
+                  <a:schemeClr val="tx1"/>
+                </a:solidFill>
+                <a:latin typeface="Segoe UI" panose="020B0502040204020203" pitchFamily="34" charset="0"/>
+              </a:rPr>
+            </a:br>
+            <a:endParaRPr lang="en-US" sz="3236" dirty="0">
+              <a:solidFill>
+                <a:schemeClr val="tx1"/>
+              </a:solidFill>
+              <a:latin typeface="Segoe UI" panose="020B0502040204020203" pitchFamily="34" charset="0"/>
+            </a:endParaRPr>
+          </a:p>
+        </p:txBody>
+      </p:sp>
+      <p:sp>
+        <p:nvSpPr>
+          <p:cNvPr id="3" name="Content Placeholder 2"/>
+          <p:cNvSpPr>
+            <a:spLocks noGrp="1"/>
+          </p:cNvSpPr>
+          <p:nvPr>
+            <p:ph type="body" sz="quarter" idx="10"/>
+          </p:nvPr>
+        </p:nvSpPr>
+        <p:spPr>
+          <a:xfrm>
+            <a:off x="269239" y="1189176"/>
+            <a:ext cx="9484413" cy="5351323"/>
+          </a:xfrm>
+        </p:spPr>
+        <p:txBody>
+          <a:bodyPr>
+            <a:normAutofit/>
+          </a:bodyPr>
+          <a:lstStyle/>
+          <a:p>
+            <a:r>
+              <a:rPr lang="en-US" sz="3600" dirty="0">
+                <a:solidFill>
+                  <a:schemeClr val="tx1"/>
+                </a:solidFill>
+              </a:rPr>
+              <a:t>How can Azure Functions be leveraged?</a:t>
+            </a:r>
+          </a:p>
+          <a:p>
+            <a:pPr marL="407996" lvl="1" indent="-171450"/>
+            <a:r>
+              <a:rPr lang="en-US" sz="2400" dirty="0"/>
+              <a:t>While it is possible to create functions that run behind API Management endpoints, they are best employed for decoupled, asynchronous background operations that can be run at scale without concern for the specific server running that operation</a:t>
+            </a:r>
+          </a:p>
+          <a:p>
+            <a:pPr marL="407996" lvl="1" indent="-171450"/>
+            <a:r>
+              <a:rPr lang="en-US" sz="2400" dirty="0"/>
+              <a:t>In this solution, Azure Functions allowed for decoupling the external storage location of orders, without the need to update Service Fabric configurations on change. It also allowed for a separate scale-out tier for that work.</a:t>
+            </a:r>
+          </a:p>
+          <a:p>
+            <a:pPr marL="407996" lvl="1" indent="-171450"/>
+            <a:r>
+              <a:rPr lang="en-US" sz="2400" dirty="0"/>
+              <a:t>In a solution such as a mobile application back end, functions could be useful if they don’t need to comingle with other solution aspects – such as acting as their own microservice with a targeted purpose</a:t>
+            </a:r>
+          </a:p>
+          <a:p>
+            <a:endParaRPr lang="en-US" sz="3600" dirty="0">
+              <a:solidFill>
+                <a:schemeClr val="tx1"/>
+              </a:solidFill>
+            </a:endParaRPr>
+          </a:p>
+          <a:p>
+            <a:pPr marL="0" indent="0">
+              <a:buNone/>
+            </a:pPr>
+            <a:endParaRPr lang="en-US" sz="3600" dirty="0">
+              <a:solidFill>
+                <a:schemeClr val="tx1"/>
+              </a:solidFill>
+            </a:endParaRPr>
+          </a:p>
+        </p:txBody>
+      </p:sp>
+      <p:grpSp>
+        <p:nvGrpSpPr>
+          <p:cNvPr id="4" name="Group 3" descr="Icons representing bulleted questions." title="Icons">
+            <a:extLst>
+              <a:ext uri="{FF2B5EF4-FFF2-40B4-BE49-F238E27FC236}">
+                <a16:creationId xmlns:a16="http://schemas.microsoft.com/office/drawing/2014/main" id="{C78B7208-B6D0-41AE-83E9-2D82F77F54BB}"/>
+              </a:ext>
+            </a:extLst>
+          </p:cNvPr>
+          <p:cNvGrpSpPr/>
+          <p:nvPr/>
+        </p:nvGrpSpPr>
+        <p:grpSpPr>
+          <a:xfrm>
+            <a:off x="9753652" y="791480"/>
+            <a:ext cx="2171428" cy="5776420"/>
+            <a:chOff x="9753652" y="791480"/>
+            <a:chExt cx="2171428" cy="5776420"/>
+          </a:xfrm>
+        </p:grpSpPr>
+        <p:pic>
+          <p:nvPicPr>
+            <p:cNvPr id="11" name="Picture 10" descr="Customer objections">
+              <a:extLst>
+                <a:ext uri="{FF2B5EF4-FFF2-40B4-BE49-F238E27FC236}">
+                  <a16:creationId xmlns:a16="http://schemas.microsoft.com/office/drawing/2014/main" id="{43752440-B4BA-488D-BC2F-64A9BAB696FE}"/>
+                </a:ext>
+              </a:extLst>
+            </p:cNvPr>
+            <p:cNvPicPr>
+              <a:picLocks noChangeAspect="1"/>
+            </p:cNvPicPr>
+            <p:nvPr/>
+          </p:nvPicPr>
+          <p:blipFill>
+            <a:blip r:embed="rId3"/>
+            <a:stretch>
+              <a:fillRect/>
+            </a:stretch>
+          </p:blipFill>
+          <p:spPr>
+            <a:xfrm>
+              <a:off x="9753652" y="791480"/>
+              <a:ext cx="2171428" cy="2171428"/>
+            </a:xfrm>
+            <a:prstGeom prst="rect">
+              <a:avLst/>
+            </a:prstGeom>
+          </p:spPr>
+        </p:pic>
+        <p:sp>
+          <p:nvSpPr>
+            <p:cNvPr id="12" name="Oval 11" descr="Background" title="Background">
+              <a:extLst>
+                <a:ext uri="{FF2B5EF4-FFF2-40B4-BE49-F238E27FC236}">
+                  <a16:creationId xmlns:a16="http://schemas.microsoft.com/office/drawing/2014/main" id="{B36F925C-1E8A-4471-AD6F-2BC20ECE0093}"/>
+                </a:ext>
+              </a:extLst>
+            </p:cNvPr>
+            <p:cNvSpPr/>
+            <p:nvPr/>
+          </p:nvSpPr>
+          <p:spPr bwMode="auto">
+            <a:xfrm>
+              <a:off x="9970686" y="2903407"/>
+              <a:ext cx="1737360" cy="1737360"/>
+            </a:xfrm>
+            <a:prstGeom prst="ellipse">
+              <a:avLst/>
+            </a:prstGeom>
+            <a:solidFill>
+              <a:srgbClr val="FFC000"/>
+            </a:solidFill>
+            <a:ln>
+              <a:noFill/>
+              <a:headEnd type="none" w="med" len="med"/>
+              <a:tailEnd type="none" w="med" len="med"/>
+            </a:ln>
+            <a:effectLst/>
+          </p:spPr>
+          <p:style>
+            <a:lnRef idx="1">
+              <a:schemeClr val="accent2"/>
+            </a:lnRef>
+            <a:fillRef idx="3">
+              <a:schemeClr val="accent2"/>
+            </a:fillRef>
+            <a:effectRef idx="2">
+              <a:schemeClr val="accent2"/>
+            </a:effectRef>
+            <a:fontRef idx="minor">
+              <a:schemeClr val="lt1"/>
+            </a:fontRef>
+          </p:style>
+          <p:txBody>
+            <a:bodyPr rot="0" spcFirstLastPara="0" vertOverflow="overflow" horzOverflow="overflow" vert="horz" wrap="square" lIns="182880" tIns="146304" rIns="182880" bIns="146304" numCol="1" spcCol="0" rtlCol="0" fromWordArt="0" anchor="t" anchorCtr="0" forceAA="0" compatLnSpc="1">
+              <a:prstTxWarp prst="textNoShape">
+                <a:avLst/>
+              </a:prstTxWarp>
+              <a:noAutofit/>
+            </a:bodyPr>
+            <a:lstStyle/>
+            <a:p>
+              <a:pPr algn="ctr" defTabSz="932472" fontAlgn="base">
+                <a:lnSpc>
+                  <a:spcPct val="90000"/>
+                </a:lnSpc>
+                <a:spcBef>
+                  <a:spcPct val="0"/>
+                </a:spcBef>
+                <a:spcAft>
+                  <a:spcPct val="0"/>
+                </a:spcAft>
+              </a:pPr>
+              <a:endParaRPr lang="en-US" sz="2400" dirty="0">
+                <a:gradFill>
+                  <a:gsLst>
+                    <a:gs pos="0">
+                      <a:srgbClr val="FFFFFF"/>
+                    </a:gs>
+                    <a:gs pos="100000">
+                      <a:srgbClr val="FFFFFF"/>
+                    </a:gs>
+                  </a:gsLst>
+                  <a:lin ang="5400000" scaled="0"/>
+                </a:gradFill>
+                <a:ea typeface="Segoe UI" pitchFamily="34" charset="0"/>
+                <a:cs typeface="Segoe UI" pitchFamily="34" charset="0"/>
+              </a:endParaRPr>
+            </a:p>
+          </p:txBody>
+        </p:sp>
+        <p:sp>
+          <p:nvSpPr>
+            <p:cNvPr id="14" name="Oval 13" descr="Background" title="Background">
+              <a:extLst>
+                <a:ext uri="{FF2B5EF4-FFF2-40B4-BE49-F238E27FC236}">
+                  <a16:creationId xmlns:a16="http://schemas.microsoft.com/office/drawing/2014/main" id="{FF10AFD0-EE5A-48A7-8A88-113CAE632FA7}"/>
+                </a:ext>
+              </a:extLst>
+            </p:cNvPr>
+            <p:cNvSpPr/>
+            <p:nvPr/>
+          </p:nvSpPr>
+          <p:spPr bwMode="auto">
+            <a:xfrm>
+              <a:off x="9970686" y="4830540"/>
+              <a:ext cx="1737360" cy="1737360"/>
+            </a:xfrm>
+            <a:prstGeom prst="ellipse">
+              <a:avLst/>
+            </a:prstGeom>
+            <a:solidFill>
+              <a:srgbClr val="FFC000"/>
+            </a:solidFill>
+            <a:ln>
+              <a:noFill/>
+              <a:headEnd type="none" w="med" len="med"/>
+              <a:tailEnd type="none" w="med" len="med"/>
+            </a:ln>
+            <a:effectLst/>
+          </p:spPr>
+          <p:style>
+            <a:lnRef idx="1">
+              <a:schemeClr val="accent2"/>
+            </a:lnRef>
+            <a:fillRef idx="3">
+              <a:schemeClr val="accent2"/>
+            </a:fillRef>
+            <a:effectRef idx="2">
+              <a:schemeClr val="accent2"/>
+            </a:effectRef>
+            <a:fontRef idx="minor">
+              <a:schemeClr val="lt1"/>
+            </a:fontRef>
+          </p:style>
+          <p:txBody>
+            <a:bodyPr rot="0" spcFirstLastPara="0" vertOverflow="overflow" horzOverflow="overflow" vert="horz" wrap="square" lIns="182880" tIns="146304" rIns="182880" bIns="146304" numCol="1" spcCol="0" rtlCol="0" fromWordArt="0" anchor="t" anchorCtr="0" forceAA="0" compatLnSpc="1">
+              <a:prstTxWarp prst="textNoShape">
+                <a:avLst/>
+              </a:prstTxWarp>
+              <a:noAutofit/>
+            </a:bodyPr>
+            <a:lstStyle/>
+            <a:p>
+              <a:pPr algn="ctr" defTabSz="932472" fontAlgn="base">
+                <a:lnSpc>
+                  <a:spcPct val="90000"/>
+                </a:lnSpc>
+                <a:spcBef>
+                  <a:spcPct val="0"/>
+                </a:spcBef>
+                <a:spcAft>
+                  <a:spcPct val="0"/>
+                </a:spcAft>
+              </a:pPr>
+              <a:endParaRPr lang="en-US" sz="2400" dirty="0">
+                <a:gradFill>
+                  <a:gsLst>
+                    <a:gs pos="0">
+                      <a:srgbClr val="FFFFFF"/>
+                    </a:gs>
+                    <a:gs pos="100000">
+                      <a:srgbClr val="FFFFFF"/>
+                    </a:gs>
+                  </a:gsLst>
+                  <a:lin ang="5400000" scaled="0"/>
+                </a:gradFill>
+                <a:ea typeface="Segoe UI" pitchFamily="34" charset="0"/>
+                <a:cs typeface="Segoe UI" pitchFamily="34" charset="0"/>
+              </a:endParaRPr>
+            </a:p>
+          </p:txBody>
+        </p:sp>
+        <p:pic>
+          <p:nvPicPr>
+            <p:cNvPr id="5" name="Graphic 4" descr="Azure Functions icon" title="Azure Functions">
+              <a:extLst>
+                <a:ext uri="{FF2B5EF4-FFF2-40B4-BE49-F238E27FC236}">
+                  <a16:creationId xmlns:a16="http://schemas.microsoft.com/office/drawing/2014/main" id="{1519041A-4858-4677-825C-95D9AC91272B}"/>
+                </a:ext>
+              </a:extLst>
+            </p:cNvPr>
+            <p:cNvPicPr>
+              <a:picLocks noChangeAspect="1"/>
+            </p:cNvPicPr>
+            <p:nvPr/>
+          </p:nvPicPr>
+          <p:blipFill>
+            <a:blip r:embed="rId4">
+              <a:extLst>
+                <a:ext uri="{28A0092B-C50C-407E-A947-70E740481C1C}">
+                  <a14:useLocalDpi xmlns:a14="http://schemas.microsoft.com/office/drawing/2010/main" val="0"/>
+                </a:ext>
+                <a:ext uri="{96DAC541-7B7A-43D3-8B79-37D633B846F1}">
+                  <asvg:svgBlip xmlns:asvg="http://schemas.microsoft.com/office/drawing/2016/SVG/main" r:embed="rId5"/>
+                </a:ext>
+              </a:extLst>
+            </a:blip>
+            <a:stretch>
+              <a:fillRect/>
+            </a:stretch>
+          </p:blipFill>
+          <p:spPr>
+            <a:xfrm>
+              <a:off x="10199286" y="5059140"/>
+              <a:ext cx="1280160" cy="1280160"/>
+            </a:xfrm>
+            <a:prstGeom prst="rect">
+              <a:avLst/>
+            </a:prstGeom>
+          </p:spPr>
+        </p:pic>
+        <p:pic>
+          <p:nvPicPr>
+            <p:cNvPr id="7" name="Graphic 6" descr="Service Fabric icon" title="Service Fabric">
+              <a:extLst>
+                <a:ext uri="{FF2B5EF4-FFF2-40B4-BE49-F238E27FC236}">
+                  <a16:creationId xmlns:a16="http://schemas.microsoft.com/office/drawing/2014/main" id="{90C4A24F-A94F-4D30-8189-B1746DA47C4C}"/>
+                </a:ext>
+              </a:extLst>
+            </p:cNvPr>
+            <p:cNvPicPr>
+              <a:picLocks noChangeAspect="1"/>
+            </p:cNvPicPr>
+            <p:nvPr/>
+          </p:nvPicPr>
+          <p:blipFill>
+            <a:blip r:embed="rId6">
+              <a:extLst>
+                <a:ext uri="{28A0092B-C50C-407E-A947-70E740481C1C}">
+                  <a14:useLocalDpi xmlns:a14="http://schemas.microsoft.com/office/drawing/2010/main" val="0"/>
+                </a:ext>
+                <a:ext uri="{96DAC541-7B7A-43D3-8B79-37D633B846F1}">
+                  <asvg:svgBlip xmlns:asvg="http://schemas.microsoft.com/office/drawing/2016/SVG/main" r:embed="rId7"/>
+                </a:ext>
+              </a:extLst>
+            </a:blip>
+            <a:stretch>
+              <a:fillRect/>
+            </a:stretch>
+          </p:blipFill>
+          <p:spPr>
+            <a:xfrm>
+              <a:off x="9985578" y="3070102"/>
+              <a:ext cx="1722468" cy="2468880"/>
+            </a:xfrm>
+            <a:prstGeom prst="rect">
+              <a:avLst/>
+            </a:prstGeom>
+          </p:spPr>
+        </p:pic>
+      </p:grpSp>
+    </p:spTree>
+    <p:extLst>
+      <p:ext uri="{BB962C8B-B14F-4D97-AF65-F5344CB8AC3E}">
+        <p14:creationId xmlns:p14="http://schemas.microsoft.com/office/powerpoint/2010/main" val="308301893"/>
+      </p:ext>
+    </p:extLst>
+  </p:cSld>
+  <p:clrMapOvr>
+    <a:masterClrMapping/>
+  </p:clrMapOvr>
+  <mc:AlternateContent xmlns:mc="http://schemas.openxmlformats.org/markup-compatibility/2006" xmlns:p14="http://schemas.microsoft.com/office/powerpoint/2010/main">
+    <mc:Choice Requires="p14">
+      <p:transition spd="med" p14:dur="700">
+        <p:fade/>
+      </p:transition>
+    </mc:Choice>
+    <mc:Fallback xmlns="">
+      <p:transition spd="med">
+        <p:fade/>
+      </p:transition>
+    </mc:Fallback>
+  </mc:AlternateContent>
+</p:sld>
+</file>
+
+<file path=ppt/slides/slide28.xml><?xml version="1.0" encoding="utf-8"?>
+<p:sld xmlns:a="http://schemas.openxmlformats.org/drawingml/2006/main" xmlns:r="http://schemas.openxmlformats.org/officeDocument/2006/relationships" xmlns:p="http://schemas.openxmlformats.org/presentationml/2006/main">
+  <p:cSld>
+    <p:spTree>
+      <p:nvGrpSpPr>
+        <p:cNvPr id="1" name=""/>
+        <p:cNvGrpSpPr/>
+        <p:nvPr/>
+      </p:nvGrpSpPr>
+      <p:grpSpPr>
+        <a:xfrm>
+          <a:off x="0" y="0"/>
+          <a:ext cx="0" cy="0"/>
+          <a:chOff x="0" y="0"/>
+          <a:chExt cx="0" cy="0"/>
+        </a:xfrm>
+      </p:grpSpPr>
+      <p:sp>
+        <p:nvSpPr>
+          <p:cNvPr id="2" name="Title 1"/>
+          <p:cNvSpPr>
+            <a:spLocks noGrp="1"/>
+          </p:cNvSpPr>
+          <p:nvPr>
+            <p:ph type="title"/>
+          </p:nvPr>
+        </p:nvSpPr>
+        <p:spPr/>
+        <p:txBody>
+          <a:bodyPr>
+            <a:normAutofit fontScale="90000"/>
+          </a:bodyPr>
+          <a:lstStyle/>
+          <a:p>
+            <a:r>
+              <a:rPr lang="en-US" sz="4900" dirty="0">
+                <a:solidFill>
+                  <a:schemeClr val="tx1"/>
+                </a:solidFill>
+                <a:cs typeface="Segoe UI" panose="020B0502040204020203" pitchFamily="34" charset="0"/>
+              </a:rPr>
               <a:t>Customer quote</a:t>
             </a:r>
             <a:br>
@@ -22195,23 +25400,7 @@
                   <a:schemeClr val="tx1"/>
                 </a:solidFill>
               </a:rPr>
-              <a:t>“</a:t>
-            </a:r>
-            <a:r>
-              <a:rPr lang="en-US" sz="3600" i="1" dirty="0">
-                <a:solidFill>
-                  <a:schemeClr val="tx1"/>
-                </a:solidFill>
-              </a:rPr>
-              <a:t>With Service Fabric we are able to move to microservices architecture without the DevOps headache. Service Fabric provides so much to support deployment, compute utilization, health monitoring and recovery – we could leverage the same team while increasing the size of our solution and feature set!</a:t>
-            </a:r>
-            <a:r>
-              <a:rPr lang="en-US" sz="3600" dirty="0">
-                <a:solidFill>
-                  <a:schemeClr val="tx1"/>
-                </a:solidFill>
-              </a:rPr>
-              <a:t>”</a:t>
+              <a:t>“With Service Fabric we are able to move to microservices architecture without the DevOps headache. Service Fabric provides so much to support deployment, compute utilization, health monitoring and recovery – we could leverage the same team while increasing the size of our solution and feature set!”</a:t>
             </a:r>
           </a:p>
           <a:p>
@@ -22277,7 +25466,7 @@
 </p:sld>
 </file>
 
-<file path=ppt/slides/slide25.xml><?xml version="1.0" encoding="utf-8"?>
+<file path=ppt/slides/slide29.xml><?xml version="1.0" encoding="utf-8"?>
 <p:sld xmlns:a="http://schemas.openxmlformats.org/drawingml/2006/main" xmlns:r="http://schemas.openxmlformats.org/officeDocument/2006/relationships" xmlns:p="http://schemas.openxmlformats.org/presentationml/2006/main">
   <p:cSld>
     <p:bg>
@@ -22591,7 +25780,7 @@
         </p:spPr>
         <p:txBody>
           <a:bodyPr>
-            <a:normAutofit fontScale="92500" lnSpcReduction="10000"/>
+            <a:normAutofit/>
           </a:bodyPr>
           <a:lstStyle/>
           <a:p>
@@ -22605,13 +25794,6 @@
             </a:r>
           </a:p>
           <a:p>
-            <a:endParaRPr lang="en-US" sz="3600" dirty="0">
-              <a:solidFill>
-                <a:schemeClr val="tx1"/>
-              </a:solidFill>
-            </a:endParaRPr>
-          </a:p>
-          <a:p>
             <a:r>
               <a:rPr lang="en-US" sz="3600" dirty="0">
                 <a:solidFill>
@@ -22622,13 +25804,6 @@
             </a:r>
           </a:p>
           <a:p>
-            <a:endParaRPr lang="en-US" sz="3600" dirty="0">
-              <a:solidFill>
-                <a:schemeClr val="tx1"/>
-              </a:solidFill>
-            </a:endParaRPr>
-          </a:p>
-          <a:p>
             <a:r>
               <a:rPr lang="en-US" sz="3600" dirty="0">
                 <a:solidFill>
@@ -22637,13 +25812,6 @@
               </a:rPr>
               <a:t>Wants to extend customer reach through partners</a:t>
             </a:r>
-          </a:p>
-          <a:p>
-            <a:endParaRPr lang="en-US" sz="3600" dirty="0">
-              <a:solidFill>
-                <a:schemeClr val="tx1"/>
-              </a:solidFill>
-            </a:endParaRPr>
           </a:p>
           <a:p>
             <a:r>
@@ -22792,7 +25960,7 @@
         </p:spPr>
         <p:txBody>
           <a:bodyPr>
-            <a:normAutofit fontScale="92500" lnSpcReduction="10000"/>
+            <a:normAutofit/>
           </a:bodyPr>
           <a:lstStyle/>
           <a:p>
@@ -22802,25 +25970,16 @@
             </a:r>
           </a:p>
           <a:p>
-            <a:endParaRPr lang="en-US" sz="3600" dirty="0"/>
-          </a:p>
-          <a:p>
             <a:r>
               <a:rPr lang="en-US" sz="3600" dirty="0"/>
               <a:t>Desire a decoupled design</a:t>
             </a:r>
           </a:p>
           <a:p>
-            <a:endParaRPr lang="en-US" sz="3600" dirty="0"/>
-          </a:p>
-          <a:p>
             <a:r>
               <a:rPr lang="en-US" sz="3600" dirty="0"/>
               <a:t>Interested in microservices, Service Fabric, and serverless architectures</a:t>
             </a:r>
-          </a:p>
-          <a:p>
-            <a:endParaRPr lang="en-US" sz="3600" dirty="0"/>
           </a:p>
           <a:p>
             <a:r>
@@ -23206,7 +26365,7 @@
         </p:spPr>
         <p:txBody>
           <a:bodyPr>
-            <a:normAutofit fontScale="92500"/>
+            <a:normAutofit/>
           </a:bodyPr>
           <a:lstStyle/>
           <a:p>
@@ -23216,25 +26375,16 @@
             </a:r>
           </a:p>
           <a:p>
-            <a:endParaRPr lang="en-US" sz="3600" dirty="0"/>
-          </a:p>
-          <a:p>
             <a:r>
               <a:rPr lang="en-US" sz="3600" dirty="0"/>
               <a:t>Customers must be registered/logged in to place orders</a:t>
             </a:r>
           </a:p>
           <a:p>
-            <a:endParaRPr lang="en-US" sz="3600" dirty="0"/>
-          </a:p>
-          <a:p>
             <a:r>
               <a:rPr lang="en-US" sz="3600" dirty="0"/>
               <a:t>Admin site for order management and reports</a:t>
             </a:r>
-          </a:p>
-          <a:p>
-            <a:endParaRPr lang="en-US" sz="3600" dirty="0"/>
           </a:p>
           <a:p>
             <a:r>
@@ -23483,7 +26633,7 @@
         </p:spPr>
         <p:txBody>
           <a:bodyPr>
-            <a:normAutofit fontScale="92500" lnSpcReduction="20000"/>
+            <a:normAutofit/>
           </a:bodyPr>
           <a:lstStyle/>
           <a:p>
@@ -23493,34 +26643,22 @@
             </a:r>
           </a:p>
           <a:p>
-            <a:endParaRPr lang="en-US" sz="3600" dirty="0"/>
-          </a:p>
-          <a:p>
             <a:r>
               <a:rPr lang="en-US" sz="3600" dirty="0"/>
               <a:t>Improved operations management</a:t>
             </a:r>
           </a:p>
           <a:p>
-            <a:endParaRPr lang="en-US" sz="3600" dirty="0"/>
-          </a:p>
-          <a:p>
             <a:r>
               <a:rPr lang="en-US" sz="3600" dirty="0"/>
               <a:t>Migrate to Cosmos DB</a:t>
             </a:r>
           </a:p>
           <a:p>
-            <a:endParaRPr lang="en-US" sz="3600" dirty="0"/>
-          </a:p>
-          <a:p>
             <a:r>
               <a:rPr lang="en-US" sz="3600" dirty="0"/>
               <a:t>Secure API management</a:t>
             </a:r>
-          </a:p>
-          <a:p>
-            <a:endParaRPr lang="en-US" sz="3600" dirty="0"/>
           </a:p>
           <a:p>
             <a:r>
@@ -23769,7 +26907,7 @@
         </p:spPr>
         <p:txBody>
           <a:bodyPr>
-            <a:normAutofit fontScale="92500" lnSpcReduction="20000"/>
+            <a:normAutofit/>
           </a:bodyPr>
           <a:lstStyle/>
           <a:p>
@@ -23783,13 +26921,6 @@
             </a:r>
           </a:p>
           <a:p>
-            <a:endParaRPr lang="en-US" sz="3600" dirty="0">
-              <a:solidFill>
-                <a:schemeClr val="tx1"/>
-              </a:solidFill>
-            </a:endParaRPr>
-          </a:p>
-          <a:p>
             <a:r>
               <a:rPr lang="en-US" sz="3600" dirty="0">
                 <a:solidFill>
@@ -23800,13 +26931,6 @@
             </a:r>
           </a:p>
           <a:p>
-            <a:endParaRPr lang="en-US" sz="3600" dirty="0">
-              <a:solidFill>
-                <a:schemeClr val="tx1"/>
-              </a:solidFill>
-            </a:endParaRPr>
-          </a:p>
-          <a:p>
             <a:r>
               <a:rPr lang="en-US" sz="3600" dirty="0">
                 <a:solidFill>
@@ -23817,16 +26941,6 @@
             </a:r>
           </a:p>
           <a:p>
-            <a:pPr marL="0" indent="0">
-              <a:buNone/>
-            </a:pPr>
-            <a:endParaRPr lang="en-US" sz="3600" dirty="0">
-              <a:solidFill>
-                <a:schemeClr val="tx1"/>
-              </a:solidFill>
-            </a:endParaRPr>
-          </a:p>
-          <a:p>
             <a:r>
               <a:rPr lang="en-US" sz="3600" dirty="0">
                 <a:solidFill>
@@ -23835,13 +26949,6 @@
               </a:rPr>
               <a:t>How and where can stateful services and actors help us?</a:t>
             </a:r>
-          </a:p>
-          <a:p>
-            <a:endParaRPr lang="en-US" sz="3600" dirty="0">
-              <a:solidFill>
-                <a:schemeClr val="tx1"/>
-              </a:solidFill>
-            </a:endParaRPr>
           </a:p>
           <a:p>
             <a:r>
